--- a/Azure Bootcamp San Fransciso April 2017.pptx
+++ b/Azure Bootcamp San Fransciso April 2017.pptx
@@ -7,7 +7,7 @@
     <p:sldMasterId id="2147483670" r:id="rId3"/>
   </p:sldMasterIdLst>
   <p:notesMasterIdLst>
-    <p:notesMasterId r:id="rId37"/>
+    <p:notesMasterId r:id="rId38"/>
   </p:notesMasterIdLst>
   <p:sldIdLst>
     <p:sldId id="256" r:id="rId4"/>
@@ -23,26 +23,27 @@
     <p:sldId id="295" r:id="rId14"/>
     <p:sldId id="289" r:id="rId15"/>
     <p:sldId id="291" r:id="rId16"/>
-    <p:sldId id="290" r:id="rId17"/>
-    <p:sldId id="270" r:id="rId18"/>
-    <p:sldId id="267" r:id="rId19"/>
-    <p:sldId id="273" r:id="rId20"/>
-    <p:sldId id="265" r:id="rId21"/>
-    <p:sldId id="271" r:id="rId22"/>
-    <p:sldId id="272" r:id="rId23"/>
-    <p:sldId id="293" r:id="rId24"/>
-    <p:sldId id="299" r:id="rId25"/>
-    <p:sldId id="259" r:id="rId26"/>
-    <p:sldId id="260" r:id="rId27"/>
-    <p:sldId id="268" r:id="rId28"/>
-    <p:sldId id="277" r:id="rId29"/>
-    <p:sldId id="292" r:id="rId30"/>
-    <p:sldId id="278" r:id="rId31"/>
-    <p:sldId id="279" r:id="rId32"/>
-    <p:sldId id="280" r:id="rId33"/>
-    <p:sldId id="281" r:id="rId34"/>
-    <p:sldId id="282" r:id="rId35"/>
-    <p:sldId id="298" r:id="rId36"/>
+    <p:sldId id="300" r:id="rId17"/>
+    <p:sldId id="290" r:id="rId18"/>
+    <p:sldId id="270" r:id="rId19"/>
+    <p:sldId id="267" r:id="rId20"/>
+    <p:sldId id="273" r:id="rId21"/>
+    <p:sldId id="265" r:id="rId22"/>
+    <p:sldId id="271" r:id="rId23"/>
+    <p:sldId id="272" r:id="rId24"/>
+    <p:sldId id="293" r:id="rId25"/>
+    <p:sldId id="299" r:id="rId26"/>
+    <p:sldId id="259" r:id="rId27"/>
+    <p:sldId id="260" r:id="rId28"/>
+    <p:sldId id="268" r:id="rId29"/>
+    <p:sldId id="277" r:id="rId30"/>
+    <p:sldId id="292" r:id="rId31"/>
+    <p:sldId id="278" r:id="rId32"/>
+    <p:sldId id="279" r:id="rId33"/>
+    <p:sldId id="280" r:id="rId34"/>
+    <p:sldId id="281" r:id="rId35"/>
+    <p:sldId id="282" r:id="rId36"/>
+    <p:sldId id="298" r:id="rId37"/>
   </p:sldIdLst>
   <p:sldSz cx="12192000" cy="6858000"/>
   <p:notesSz cx="6858000" cy="9144000"/>
@@ -868,7 +869,7 @@
           <a:p>
             <a:fld id="{DA3BABC3-7A37-462C-82AB-AD26892685AF}" type="slidenum">
               <a:rPr lang="en-US" smtClean="0"/>
-              <a:t>20</a:t>
+              <a:t>21</a:t>
             </a:fld>
             <a:endParaRPr lang="en-US"/>
           </a:p>
@@ -960,7 +961,7 @@
           <a:p>
             <a:fld id="{38FA0183-B7AD-4A8F-B662-F675DE509063}" type="slidenum">
               <a:rPr lang="en-US" smtClean="0"/>
-              <a:t>23</a:t>
+              <a:t>24</a:t>
             </a:fld>
             <a:endParaRPr lang="en-US"/>
           </a:p>
@@ -1058,7 +1059,7 @@
           <a:p>
             <a:fld id="{38FA0183-B7AD-4A8F-B662-F675DE509063}" type="slidenum">
               <a:rPr lang="en-US" smtClean="0"/>
-              <a:t>24</a:t>
+              <a:t>25</a:t>
             </a:fld>
             <a:endParaRPr lang="en-US"/>
           </a:p>
@@ -8712,7 +8713,7 @@
           <a:p>
             <a:r>
               <a:rPr lang="en-US" dirty="0"/>
-              <a:t>Create a Database In Azure</a:t>
+              <a:t>Web Applications In Azure</a:t>
             </a:r>
           </a:p>
         </p:txBody>
@@ -8799,6 +8800,74 @@
                 </a:outerShdw>
               </a:effectLst>
             </a:endParaRPr>
+          </a:p>
+        </p:txBody>
+      </p:sp>
+      <p:sp>
+        <p:nvSpPr>
+          <p:cNvPr id="3" name="Rectangle 2"/>
+          <p:cNvSpPr/>
+          <p:nvPr/>
+        </p:nvSpPr>
+        <p:spPr>
+          <a:xfrm>
+            <a:off x="2435959" y="5009823"/>
+            <a:ext cx="7320081" cy="461665"/>
+          </a:xfrm>
+          <a:prstGeom prst="rect">
+            <a:avLst/>
+          </a:prstGeom>
+        </p:spPr>
+        <p:txBody>
+          <a:bodyPr wrap="none">
+            <a:spAutoFit/>
+          </a:bodyPr>
+          <a:lstStyle/>
+          <a:p>
+            <a:r>
+              <a:rPr lang="en-US" sz="2400" dirty="0">
+                <a:hlinkClick r:id="rId2"/>
+              </a:rPr>
+              <a:t>http://eps-azureboot2017-person-app.azurewebsites.net</a:t>
+            </a:r>
+            <a:r>
+              <a:rPr lang="en-US" sz="2400" dirty="0"/>
+              <a:t> </a:t>
+            </a:r>
+          </a:p>
+        </p:txBody>
+      </p:sp>
+      <p:sp>
+        <p:nvSpPr>
+          <p:cNvPr id="6" name="Rectangle 5"/>
+          <p:cNvSpPr/>
+          <p:nvPr/>
+        </p:nvSpPr>
+        <p:spPr>
+          <a:xfrm>
+            <a:off x="3527284" y="5590295"/>
+            <a:ext cx="5137432" cy="461665"/>
+          </a:xfrm>
+          <a:prstGeom prst="rect">
+            <a:avLst/>
+          </a:prstGeom>
+        </p:spPr>
+        <p:txBody>
+          <a:bodyPr wrap="none">
+            <a:spAutoFit/>
+          </a:bodyPr>
+          <a:lstStyle/>
+          <a:p>
+            <a:r>
+              <a:rPr lang="en-US" sz="2400" dirty="0">
+                <a:hlinkClick r:id="rId3"/>
+              </a:rPr>
+              <a:t>http://golftrackerng.azurewebsites.net</a:t>
+            </a:r>
+            <a:r>
+              <a:rPr lang="en-US" sz="2400" dirty="0"/>
+              <a:t> </a:t>
+            </a:r>
           </a:p>
         </p:txBody>
       </p:sp>
@@ -8861,52 +8930,127 @@
           <a:p>
             <a:r>
               <a:rPr lang="en-US" dirty="0"/>
-              <a:t>Service Layer</a:t>
-            </a:r>
-          </a:p>
-        </p:txBody>
-      </p:sp>
-      <p:sp>
-        <p:nvSpPr>
-          <p:cNvPr id="4" name="Content Placeholder 2"/>
-          <p:cNvSpPr>
-            <a:spLocks noGrp="1"/>
-          </p:cNvSpPr>
-          <p:nvPr>
-            <p:ph idx="1"/>
-          </p:nvPr>
+              <a:t>Create a Database In Azure</a:t>
+            </a:r>
+          </a:p>
+        </p:txBody>
+      </p:sp>
+      <p:sp>
+        <p:nvSpPr>
+          <p:cNvPr id="5" name="Rectangle 4"/>
+          <p:cNvSpPr/>
+          <p:nvPr/>
         </p:nvSpPr>
         <p:spPr>
           <a:xfrm>
-            <a:off x="699052" y="1794198"/>
-            <a:ext cx="10515600" cy="4293744"/>
+            <a:off x="2781300" y="2510135"/>
+            <a:ext cx="6629400" cy="2646878"/>
           </a:xfrm>
+          <a:prstGeom prst="rect">
+            <a:avLst/>
+          </a:prstGeom>
+          <a:noFill/>
         </p:spPr>
         <p:txBody>
-          <a:bodyPr/>
+          <a:bodyPr wrap="square" lIns="91440" tIns="45720" rIns="91440" bIns="45720">
+            <a:spAutoFit/>
+          </a:bodyPr>
           <a:lstStyle/>
           <a:p>
-            <a:r>
-              <a:rPr lang="en-US" dirty="0"/>
-              <a:t>Services are endpoints (addresses) that provide logic and data to an application UI </a:t>
-            </a:r>
-          </a:p>
-          <a:p>
-            <a:r>
-              <a:rPr lang="en-US" dirty="0"/>
-              <a:t>Services are the ‘back end’ parts of a system</a:t>
-            </a:r>
-          </a:p>
-          <a:p>
-            <a:r>
-              <a:rPr lang="en-US" dirty="0"/>
-              <a:t>All modern applications use services, not just modern web applications</a:t>
-            </a:r>
-          </a:p>
-          <a:p>
-            <a:r>
-              <a:rPr lang="en-US" dirty="0"/>
-              <a:t>The concept of services is crucial to modern development</a:t>
+            <a:pPr algn="ctr"/>
+            <a:r>
+              <a:rPr lang="en-US" sz="16600" b="1" dirty="0">
+                <a:ln w="12700">
+                  <a:solidFill>
+                    <a:schemeClr val="tx2">
+                      <a:lumMod val="75000"/>
+                    </a:schemeClr>
+                  </a:solidFill>
+                  <a:prstDash val="solid"/>
+                </a:ln>
+                <a:pattFill prst="dkUpDiag">
+                  <a:fgClr>
+                    <a:schemeClr val="tx2"/>
+                  </a:fgClr>
+                  <a:bgClr>
+                    <a:schemeClr val="tx2">
+                      <a:lumMod val="20000"/>
+                      <a:lumOff val="80000"/>
+                    </a:schemeClr>
+                  </a:bgClr>
+                </a:pattFill>
+                <a:effectLst>
+                  <a:outerShdw dist="38100" dir="2640000" algn="bl" rotWithShape="0">
+                    <a:schemeClr val="tx2">
+                      <a:lumMod val="75000"/>
+                    </a:schemeClr>
+                  </a:outerShdw>
+                </a:effectLst>
+              </a:rPr>
+              <a:t>Lab</a:t>
+            </a:r>
+            <a:endParaRPr lang="en-US" sz="16600" b="1" cap="none" spc="0" dirty="0">
+              <a:ln w="12700">
+                <a:solidFill>
+                  <a:schemeClr val="tx2">
+                    <a:lumMod val="75000"/>
+                  </a:schemeClr>
+                </a:solidFill>
+                <a:prstDash val="solid"/>
+              </a:ln>
+              <a:pattFill prst="dkUpDiag">
+                <a:fgClr>
+                  <a:schemeClr val="tx2"/>
+                </a:fgClr>
+                <a:bgClr>
+                  <a:schemeClr val="tx2">
+                    <a:lumMod val="20000"/>
+                    <a:lumOff val="80000"/>
+                  </a:schemeClr>
+                </a:bgClr>
+              </a:pattFill>
+              <a:effectLst>
+                <a:outerShdw dist="38100" dir="2640000" algn="bl" rotWithShape="0">
+                  <a:schemeClr val="tx2">
+                    <a:lumMod val="75000"/>
+                  </a:schemeClr>
+                </a:outerShdw>
+              </a:effectLst>
+            </a:endParaRPr>
+          </a:p>
+        </p:txBody>
+      </p:sp>
+      <p:sp>
+        <p:nvSpPr>
+          <p:cNvPr id="4" name="Rectangle 3"/>
+          <p:cNvSpPr/>
+          <p:nvPr/>
+        </p:nvSpPr>
+        <p:spPr>
+          <a:xfrm>
+            <a:off x="0" y="5281397"/>
+            <a:ext cx="12192000" cy="461665"/>
+          </a:xfrm>
+          <a:prstGeom prst="rect">
+            <a:avLst/>
+          </a:prstGeom>
+        </p:spPr>
+        <p:txBody>
+          <a:bodyPr wrap="square">
+            <a:spAutoFit/>
+          </a:bodyPr>
+          <a:lstStyle/>
+          <a:p>
+            <a:pPr algn="ctr"/>
+            <a:r>
+              <a:rPr lang="en-US" sz="2400" dirty="0">
+                <a:hlinkClick r:id="rId2"/>
+              </a:rPr>
+              <a:t>https://github.com/TexasJetter/AzureBootCamp2017</a:t>
+            </a:r>
+            <a:r>
+              <a:rPr lang="en-US" sz="2400" dirty="0"/>
+              <a:t> (Person) </a:t>
             </a:r>
           </a:p>
         </p:txBody>
@@ -8914,7 +9058,7 @@
     </p:spTree>
     <p:extLst>
       <p:ext uri="{BB962C8B-B14F-4D97-AF65-F5344CB8AC3E}">
-        <p14:creationId xmlns:p14="http://schemas.microsoft.com/office/powerpoint/2010/main" val="1539022673"/>
+        <p14:creationId xmlns:p14="http://schemas.microsoft.com/office/powerpoint/2010/main" val="2623283109"/>
       </p:ext>
     </p:extLst>
   </p:cSld>
@@ -8969,15 +9113,15 @@
           <a:lstStyle/>
           <a:p>
             <a:r>
-              <a:rPr lang="en-US"/>
-              <a:t>Micro-Services</a:t>
-            </a:r>
-          </a:p>
-        </p:txBody>
-      </p:sp>
-      <p:sp>
-        <p:nvSpPr>
-          <p:cNvPr id="3" name="Content Placeholder 2"/>
+              <a:rPr lang="en-US" dirty="0"/>
+              <a:t>Service Layer</a:t>
+            </a:r>
+          </a:p>
+        </p:txBody>
+      </p:sp>
+      <p:sp>
+        <p:nvSpPr>
+          <p:cNvPr id="4" name="Content Placeholder 2"/>
           <p:cNvSpPr>
             <a:spLocks noGrp="1"/>
           </p:cNvSpPr>
@@ -8985,32 +9129,37 @@
             <p:ph idx="1"/>
           </p:nvPr>
         </p:nvSpPr>
-        <p:spPr/>
+        <p:spPr>
+          <a:xfrm>
+            <a:off x="699052" y="1794198"/>
+            <a:ext cx="10515600" cy="4293744"/>
+          </a:xfrm>
+        </p:spPr>
         <p:txBody>
           <a:bodyPr/>
           <a:lstStyle/>
           <a:p>
             <a:r>
               <a:rPr lang="en-US" dirty="0"/>
-              <a:t>Small</a:t>
-            </a:r>
-          </a:p>
-          <a:p>
-            <a:r>
-              <a:rPr lang="en-US" dirty="0"/>
-              <a:t>Lightweight</a:t>
-            </a:r>
-          </a:p>
-          <a:p>
-            <a:r>
-              <a:rPr lang="en-US" dirty="0"/>
-              <a:t>Independently developed and deployed</a:t>
-            </a:r>
-          </a:p>
-          <a:p>
-            <a:r>
-              <a:rPr lang="en-US" dirty="0"/>
-              <a:t>In the future, services will likely be deployed in containers</a:t>
+              <a:t>Services are endpoints (addresses) that provide logic and data to an application UI </a:t>
+            </a:r>
+          </a:p>
+          <a:p>
+            <a:r>
+              <a:rPr lang="en-US" dirty="0"/>
+              <a:t>Services are the ‘back end’ parts of a system</a:t>
+            </a:r>
+          </a:p>
+          <a:p>
+            <a:r>
+              <a:rPr lang="en-US" dirty="0"/>
+              <a:t>All modern applications use services, not just modern web applications</a:t>
+            </a:r>
+          </a:p>
+          <a:p>
+            <a:r>
+              <a:rPr lang="en-US" dirty="0"/>
+              <a:t>The concept of services is crucial to modern development</a:t>
             </a:r>
           </a:p>
         </p:txBody>
@@ -9018,7 +9167,7 @@
     </p:spTree>
     <p:extLst>
       <p:ext uri="{BB962C8B-B14F-4D97-AF65-F5344CB8AC3E}">
-        <p14:creationId xmlns:p14="http://schemas.microsoft.com/office/powerpoint/2010/main" val="1086158792"/>
+        <p14:creationId xmlns:p14="http://schemas.microsoft.com/office/powerpoint/2010/main" val="1539022673"/>
       </p:ext>
     </p:extLst>
   </p:cSld>
@@ -9073,8 +9222,8 @@
           <a:lstStyle/>
           <a:p>
             <a:r>
-              <a:rPr lang="en-US" dirty="0"/>
-              <a:t>Setting Up Development Environment</a:t>
+              <a:rPr lang="en-US"/>
+              <a:t>Micro-Services</a:t>
             </a:r>
           </a:p>
         </p:txBody>
@@ -9089,108 +9238,40 @@
             <p:ph idx="1"/>
           </p:nvPr>
         </p:nvSpPr>
-        <p:spPr>
-          <a:xfrm>
-            <a:off x="838200" y="1456267"/>
-            <a:ext cx="10800522" cy="4293744"/>
-          </a:xfrm>
-        </p:spPr>
-        <p:txBody>
-          <a:bodyPr>
-            <a:normAutofit/>
-          </a:bodyPr>
+        <p:spPr/>
+        <p:txBody>
+          <a:bodyPr/>
           <a:lstStyle/>
           <a:p>
             <a:r>
               <a:rPr lang="en-US" dirty="0"/>
-              <a:t>Visual Studio 2017 Community Edition or higher</a:t>
-            </a:r>
-          </a:p>
-          <a:p>
-            <a:r>
-              <a:rPr lang="en-US" dirty="0"/>
-              <a:t>SQL Server Express (full install) 2016 or higher</a:t>
-            </a:r>
-          </a:p>
-          <a:p>
-            <a:r>
-              <a:rPr lang="en-US" dirty="0"/>
-              <a:t>Visual Studio Code  </a:t>
-            </a:r>
-            <a:r>
-              <a:rPr lang="en-US" dirty="0">
-                <a:hlinkClick r:id="rId2"/>
-              </a:rPr>
-              <a:t>http://http://code.visualstudio.com/</a:t>
-            </a:r>
-            <a:r>
-              <a:rPr lang="en-US" dirty="0"/>
-              <a:t> </a:t>
-            </a:r>
-          </a:p>
-          <a:p>
-            <a:r>
-              <a:rPr lang="en-US" dirty="0"/>
-              <a:t>Node.js and NPM    </a:t>
-            </a:r>
-            <a:r>
-              <a:rPr lang="en-US" dirty="0">
-                <a:hlinkClick r:id="rId3"/>
-              </a:rPr>
-              <a:t>https://nodejs.org/en/download/</a:t>
-            </a:r>
-            <a:endParaRPr lang="en-US" dirty="0"/>
-          </a:p>
-          <a:p>
-            <a:r>
-              <a:rPr lang="en-US" dirty="0"/>
-              <a:t>Angular CLI	      </a:t>
-            </a:r>
-            <a:r>
-              <a:rPr lang="en-US" dirty="0" err="1"/>
-              <a:t>npm</a:t>
-            </a:r>
-            <a:r>
-              <a:rPr lang="en-US" dirty="0"/>
-              <a:t> install -g @angular/cli</a:t>
-            </a:r>
-          </a:p>
-          <a:p>
-            <a:r>
-              <a:rPr lang="en-US" dirty="0"/>
-              <a:t>Postman </a:t>
-            </a:r>
-            <a:r>
-              <a:rPr lang="en-US" sz="1100" dirty="0"/>
-              <a:t>(Windows or Chrome) </a:t>
-            </a:r>
-            <a:r>
-              <a:rPr lang="en-US" dirty="0"/>
-              <a:t>   </a:t>
-            </a:r>
-            <a:r>
-              <a:rPr lang="en-US" dirty="0">
-                <a:hlinkClick r:id="rId4"/>
-              </a:rPr>
-              <a:t>https://www.getpostman.com/apps</a:t>
-            </a:r>
-            <a:r>
-              <a:rPr lang="en-US" dirty="0"/>
-              <a:t> [optional]</a:t>
-            </a:r>
-          </a:p>
-          <a:p>
-            <a:pPr marL="0" indent="0">
-              <a:buNone/>
-            </a:pPr>
-            <a:endParaRPr lang="en-US" dirty="0"/>
+              <a:t>Small</a:t>
+            </a:r>
+          </a:p>
+          <a:p>
+            <a:r>
+              <a:rPr lang="en-US" dirty="0"/>
+              <a:t>Lightweight</a:t>
+            </a:r>
+          </a:p>
+          <a:p>
+            <a:r>
+              <a:rPr lang="en-US" dirty="0"/>
+              <a:t>Independently developed and deployed</a:t>
+            </a:r>
+          </a:p>
+          <a:p>
+            <a:r>
+              <a:rPr lang="en-US" dirty="0"/>
+              <a:t>In the future, services will likely be deployed in containers</a:t>
+            </a:r>
           </a:p>
         </p:txBody>
       </p:sp>
     </p:spTree>
     <p:extLst>
       <p:ext uri="{BB962C8B-B14F-4D97-AF65-F5344CB8AC3E}">
-        <p14:creationId xmlns:p14="http://schemas.microsoft.com/office/powerpoint/2010/main" val="3901322138"/>
+        <p14:creationId xmlns:p14="http://schemas.microsoft.com/office/powerpoint/2010/main" val="1086158792"/>
       </p:ext>
     </p:extLst>
   </p:cSld>
@@ -9246,14 +9327,14 @@
           <a:p>
             <a:r>
               <a:rPr lang="en-US" dirty="0"/>
-              <a:t>In Terms of JSON over REST</a:t>
-            </a:r>
-          </a:p>
-        </p:txBody>
-      </p:sp>
-      <p:sp>
-        <p:nvSpPr>
-          <p:cNvPr id="4" name="Content Placeholder 2"/>
+              <a:t>Setting Up Development Environment</a:t>
+            </a:r>
+          </a:p>
+        </p:txBody>
+      </p:sp>
+      <p:sp>
+        <p:nvSpPr>
+          <p:cNvPr id="3" name="Content Placeholder 2"/>
           <p:cNvSpPr>
             <a:spLocks noGrp="1"/>
           </p:cNvSpPr>
@@ -9263,153 +9344,106 @@
         </p:nvSpPr>
         <p:spPr>
           <a:xfrm>
-            <a:off x="654626" y="1677880"/>
-            <a:ext cx="11066319" cy="4643021"/>
+            <a:off x="838200" y="1456267"/>
+            <a:ext cx="10800522" cy="4293744"/>
           </a:xfrm>
         </p:spPr>
         <p:txBody>
           <a:bodyPr>
-            <a:normAutofit lnSpcReduction="10000"/>
+            <a:normAutofit/>
           </a:bodyPr>
           <a:lstStyle/>
           <a:p>
             <a:r>
+              <a:rPr lang="en-US" dirty="0"/>
+              <a:t>Visual Studio 2017 Community Edition or higher</a:t>
+            </a:r>
+          </a:p>
+          <a:p>
+            <a:r>
+              <a:rPr lang="en-US" dirty="0"/>
+              <a:t>SQL Server Express (full install) 2016 or higher</a:t>
+            </a:r>
+          </a:p>
+          <a:p>
+            <a:r>
+              <a:rPr lang="en-US" dirty="0"/>
+              <a:t>Visual Studio Code  </a:t>
+            </a:r>
+            <a:r>
+              <a:rPr lang="en-US" dirty="0">
+                <a:hlinkClick r:id="rId2"/>
+              </a:rPr>
+              <a:t>http://http://code.visualstudio.com/</a:t>
+            </a:r>
+            <a:r>
+              <a:rPr lang="en-US" dirty="0"/>
+              <a:t> </a:t>
+            </a:r>
+          </a:p>
+          <a:p>
+            <a:r>
+              <a:rPr lang="en-US" dirty="0"/>
+              <a:t>Node.js and NPM    </a:t>
+            </a:r>
+            <a:r>
+              <a:rPr lang="en-US" dirty="0">
+                <a:hlinkClick r:id="rId3"/>
+              </a:rPr>
+              <a:t>https://nodejs.org/en/download/</a:t>
+            </a:r>
+            <a:endParaRPr lang="en-US" dirty="0"/>
+          </a:p>
+          <a:p>
+            <a:r>
+              <a:rPr lang="en-US" dirty="0"/>
+              <a:t>Angular CLI	      </a:t>
+            </a:r>
+            <a:r>
               <a:rPr lang="en-US" dirty="0" err="1"/>
-              <a:t>HttpGet</a:t>
-            </a:r>
-            <a:r>
-              <a:rPr lang="en-US" dirty="0"/>
-              <a:t> A List of People containing the string “</a:t>
-            </a:r>
-            <a:r>
-              <a:rPr lang="en-US" dirty="0" err="1"/>
-              <a:t>yeag</a:t>
-            </a:r>
-            <a:r>
-              <a:rPr lang="en-US" dirty="0"/>
-              <a:t>”</a:t>
-            </a:r>
-          </a:p>
-          <a:p>
-            <a:r>
-              <a:rPr lang="en-US" dirty="0" err="1"/>
-              <a:t>HttpGet</a:t>
-            </a:r>
-            <a:r>
-              <a:rPr lang="en-US" dirty="0"/>
-              <a:t> The Person with </a:t>
-            </a:r>
-            <a:r>
-              <a:rPr lang="en-US" sz="2400" dirty="0"/>
-              <a:t>Id “3632BFA5-F0BF-4AB1-B5A2-DB1708783A6C”</a:t>
-            </a:r>
-            <a:endParaRPr lang="en-US" dirty="0"/>
-          </a:p>
-          <a:p>
-            <a:r>
-              <a:rPr lang="en-US" dirty="0" err="1"/>
-              <a:t>HttpPost</a:t>
-            </a:r>
-            <a:r>
-              <a:rPr lang="en-US" dirty="0"/>
-              <a:t> Save This Person: </a:t>
+              <a:t>npm</a:t>
+            </a:r>
+            <a:r>
+              <a:rPr lang="en-US" dirty="0"/>
+              <a:t> install -g @angular/cli</a:t>
+            </a:r>
+          </a:p>
+          <a:p>
+            <a:r>
+              <a:rPr lang="en-US" dirty="0"/>
+              <a:t>Postman </a:t>
+            </a:r>
+            <a:r>
+              <a:rPr lang="en-US" sz="1100" dirty="0"/>
+              <a:t>(Windows or Chrome) </a:t>
+            </a:r>
+            <a:r>
+              <a:rPr lang="en-US" dirty="0"/>
+              <a:t>   </a:t>
+            </a:r>
+            <a:r>
+              <a:rPr lang="en-US" dirty="0">
+                <a:hlinkClick r:id="rId4"/>
+              </a:rPr>
+              <a:t>https://www.getpostman.com/apps</a:t>
+            </a:r>
+            <a:r>
+              <a:rPr lang="en-US" dirty="0"/>
+              <a:t> [optional]</a:t>
             </a:r>
           </a:p>
           <a:p>
             <a:pPr marL="0" indent="0">
               <a:buNone/>
             </a:pPr>
-            <a:r>
-              <a:rPr lang="en-US" dirty="0"/>
-              <a:t>{</a:t>
-            </a:r>
-          </a:p>
-          <a:p>
-            <a:pPr marL="457200" lvl="1" indent="0">
-              <a:buNone/>
-            </a:pPr>
-            <a:r>
-              <a:rPr lang="en-US" dirty="0"/>
-              <a:t>“Id”: “3632BFA5-F0BF-4AB1-B5A2-DB1708783A6C”,</a:t>
-            </a:r>
-          </a:p>
-          <a:p>
-            <a:pPr marL="457200" lvl="1" indent="0">
-              <a:buNone/>
-            </a:pPr>
-            <a:r>
-              <a:rPr lang="en-US" dirty="0"/>
-              <a:t>“</a:t>
-            </a:r>
-            <a:r>
-              <a:rPr lang="en-US" dirty="0" err="1"/>
-              <a:t>FirstName</a:t>
-            </a:r>
-            <a:r>
-              <a:rPr lang="en-US" dirty="0"/>
-              <a:t>”: “Mike”,</a:t>
-            </a:r>
-          </a:p>
-          <a:p>
-            <a:pPr marL="457200" lvl="1" indent="0">
-              <a:buNone/>
-            </a:pPr>
-            <a:r>
-              <a:rPr lang="en-US" dirty="0"/>
-              <a:t>“</a:t>
-            </a:r>
-            <a:r>
-              <a:rPr lang="en-US" dirty="0" err="1"/>
-              <a:t>LastName</a:t>
-            </a:r>
-            <a:r>
-              <a:rPr lang="en-US" dirty="0"/>
-              <a:t>”: “Yeager”,</a:t>
-            </a:r>
-          </a:p>
-          <a:p>
-            <a:pPr marL="457200" lvl="1" indent="0">
-              <a:buNone/>
-            </a:pPr>
-            <a:r>
-              <a:rPr lang="en-US" dirty="0"/>
-              <a:t>“Email”: </a:t>
-            </a:r>
-            <a:r>
-              <a:rPr lang="en-US" dirty="0">
-                <a:hlinkClick r:id="rId2"/>
-              </a:rPr>
-              <a:t>“myeager@eps-software.com</a:t>
-            </a:r>
-            <a:r>
-              <a:rPr lang="en-US" dirty="0"/>
-              <a:t>”,</a:t>
-            </a:r>
-          </a:p>
-          <a:p>
-            <a:pPr marL="457200" lvl="1" indent="0">
-              <a:buNone/>
-            </a:pPr>
-            <a:r>
-              <a:rPr lang="en-US" dirty="0"/>
-              <a:t>“Phone”: “(832) 717-4445”,</a:t>
-            </a:r>
-          </a:p>
-          <a:p>
-            <a:pPr marL="0" indent="0">
-              <a:buNone/>
-            </a:pPr>
-            <a:r>
-              <a:rPr lang="en-US" dirty="0"/>
-              <a:t>}</a:t>
-            </a:r>
+            <a:endParaRPr lang="en-US" dirty="0"/>
           </a:p>
         </p:txBody>
       </p:sp>
     </p:spTree>
     <p:extLst>
       <p:ext uri="{BB962C8B-B14F-4D97-AF65-F5344CB8AC3E}">
-        <p14:creationId xmlns:p14="http://schemas.microsoft.com/office/powerpoint/2010/main" val="2664831122"/>
+        <p14:creationId xmlns:p14="http://schemas.microsoft.com/office/powerpoint/2010/main" val="3901322138"/>
       </p:ext>
     </p:extLst>
   </p:cSld>
@@ -9465,14 +9499,14 @@
           <a:p>
             <a:r>
               <a:rPr lang="en-US" dirty="0"/>
-              <a:t>Programming Server Side - Services</a:t>
-            </a:r>
-          </a:p>
-        </p:txBody>
-      </p:sp>
-      <p:sp>
-        <p:nvSpPr>
-          <p:cNvPr id="3" name="Content Placeholder 2"/>
+              <a:t>In Terms of JSON over REST</a:t>
+            </a:r>
+          </a:p>
+        </p:txBody>
+      </p:sp>
+      <p:sp>
+        <p:nvSpPr>
+          <p:cNvPr id="4" name="Content Placeholder 2"/>
           <p:cNvSpPr>
             <a:spLocks noGrp="1"/>
           </p:cNvSpPr>
@@ -9480,55 +9514,147 @@
             <p:ph idx="1"/>
           </p:nvPr>
         </p:nvSpPr>
-        <p:spPr/>
-        <p:txBody>
-          <a:bodyPr/>
+        <p:spPr>
+          <a:xfrm>
+            <a:off x="654626" y="1677880"/>
+            <a:ext cx="11066319" cy="4643021"/>
+          </a:xfrm>
+        </p:spPr>
+        <p:txBody>
+          <a:bodyPr>
+            <a:normAutofit lnSpcReduction="10000"/>
+          </a:bodyPr>
           <a:lstStyle/>
           <a:p>
             <a:r>
-              <a:rPr lang="en-US" dirty="0"/>
-              <a:t>All non-UI code should be in services</a:t>
-            </a:r>
-          </a:p>
-          <a:p>
-            <a:r>
-              <a:rPr lang="en-US" dirty="0"/>
-              <a:t>JSON over REST is the de-facto standard</a:t>
-            </a:r>
-          </a:p>
-          <a:p>
-            <a:r>
               <a:rPr lang="en-US" dirty="0" err="1"/>
-              <a:t>WebAPI</a:t>
-            </a:r>
-            <a:r>
-              <a:rPr lang="en-US" dirty="0"/>
-              <a:t> or Node.js or ASP.NET Core </a:t>
+              <a:t>HttpGet</a:t>
+            </a:r>
+            <a:r>
+              <a:rPr lang="en-US" dirty="0"/>
+              <a:t> A List of People containing the string “</a:t>
             </a:r>
             <a:r>
               <a:rPr lang="en-US" dirty="0" err="1"/>
-              <a:t>WebAPI</a:t>
+              <a:t>yeag</a:t>
+            </a:r>
+            <a:r>
+              <a:rPr lang="en-US" dirty="0"/>
+              <a:t>”</a:t>
+            </a:r>
+          </a:p>
+          <a:p>
+            <a:r>
+              <a:rPr lang="en-US" dirty="0" err="1"/>
+              <a:t>HttpGet</a:t>
+            </a:r>
+            <a:r>
+              <a:rPr lang="en-US" dirty="0"/>
+              <a:t> The Person with </a:t>
+            </a:r>
+            <a:r>
+              <a:rPr lang="en-US" sz="2400" dirty="0"/>
+              <a:t>Id “3632BFA5-F0BF-4AB1-B5A2-DB1708783A6C”</a:t>
             </a:r>
             <a:endParaRPr lang="en-US" dirty="0"/>
           </a:p>
           <a:p>
             <a:r>
-              <a:rPr lang="en-US" dirty="0"/>
-              <a:t>Assumed to be published on the same domain as the web site</a:t>
-            </a:r>
-          </a:p>
-          <a:p>
-            <a:pPr lvl="1"/>
-            <a:r>
-              <a:rPr lang="en-US" dirty="0"/>
-              <a:t>Use web server’s authentication – same authentication as the web site</a:t>
-            </a:r>
-          </a:p>
-          <a:p>
-            <a:pPr lvl="1"/>
-            <a:r>
-              <a:rPr lang="en-US" dirty="0"/>
-              <a:t>No cross-domain security issues</a:t>
+              <a:rPr lang="en-US" dirty="0" err="1"/>
+              <a:t>HttpPost</a:t>
+            </a:r>
+            <a:r>
+              <a:rPr lang="en-US" dirty="0"/>
+              <a:t> Save This Person: </a:t>
+            </a:r>
+          </a:p>
+          <a:p>
+            <a:pPr marL="0" indent="0">
+              <a:buNone/>
+            </a:pPr>
+            <a:r>
+              <a:rPr lang="en-US" dirty="0"/>
+              <a:t>{</a:t>
+            </a:r>
+          </a:p>
+          <a:p>
+            <a:pPr marL="457200" lvl="1" indent="0">
+              <a:buNone/>
+            </a:pPr>
+            <a:r>
+              <a:rPr lang="en-US" dirty="0"/>
+              <a:t>“Id”: “3632BFA5-F0BF-4AB1-B5A2-DB1708783A6C”,</a:t>
+            </a:r>
+          </a:p>
+          <a:p>
+            <a:pPr marL="457200" lvl="1" indent="0">
+              <a:buNone/>
+            </a:pPr>
+            <a:r>
+              <a:rPr lang="en-US" dirty="0"/>
+              <a:t>“</a:t>
+            </a:r>
+            <a:r>
+              <a:rPr lang="en-US" dirty="0" err="1"/>
+              <a:t>FirstName</a:t>
+            </a:r>
+            <a:r>
+              <a:rPr lang="en-US" dirty="0"/>
+              <a:t>”: “Mike”,</a:t>
+            </a:r>
+          </a:p>
+          <a:p>
+            <a:pPr marL="457200" lvl="1" indent="0">
+              <a:buNone/>
+            </a:pPr>
+            <a:r>
+              <a:rPr lang="en-US" dirty="0"/>
+              <a:t>“</a:t>
+            </a:r>
+            <a:r>
+              <a:rPr lang="en-US" dirty="0" err="1"/>
+              <a:t>LastName</a:t>
+            </a:r>
+            <a:r>
+              <a:rPr lang="en-US" dirty="0"/>
+              <a:t>”: “Yeager”,</a:t>
+            </a:r>
+          </a:p>
+          <a:p>
+            <a:pPr marL="457200" lvl="1" indent="0">
+              <a:buNone/>
+            </a:pPr>
+            <a:r>
+              <a:rPr lang="en-US" dirty="0"/>
+              <a:t>“Email”: </a:t>
+            </a:r>
+            <a:r>
+              <a:rPr lang="en-US" dirty="0">
+                <a:hlinkClick r:id="rId2"/>
+              </a:rPr>
+              <a:t>“myeager@eps-software.com</a:t>
+            </a:r>
+            <a:r>
+              <a:rPr lang="en-US" dirty="0"/>
+              <a:t>”,</a:t>
+            </a:r>
+          </a:p>
+          <a:p>
+            <a:pPr marL="457200" lvl="1" indent="0">
+              <a:buNone/>
+            </a:pPr>
+            <a:r>
+              <a:rPr lang="en-US" dirty="0"/>
+              <a:t>“Phone”: “(832) 717-4445”,</a:t>
+            </a:r>
+          </a:p>
+          <a:p>
+            <a:pPr marL="0" indent="0">
+              <a:buNone/>
+            </a:pPr>
+            <a:r>
+              <a:rPr lang="en-US" dirty="0"/>
+              <a:t>}</a:t>
             </a:r>
           </a:p>
         </p:txBody>
@@ -9536,7 +9662,7 @@
     </p:spTree>
     <p:extLst>
       <p:ext uri="{BB962C8B-B14F-4D97-AF65-F5344CB8AC3E}">
-        <p14:creationId xmlns:p14="http://schemas.microsoft.com/office/powerpoint/2010/main" val="3003929675"/>
+        <p14:creationId xmlns:p14="http://schemas.microsoft.com/office/powerpoint/2010/main" val="2664831122"/>
       </p:ext>
     </p:extLst>
   </p:cSld>
@@ -9592,7 +9718,7 @@
           <a:p>
             <a:r>
               <a:rPr lang="en-US" dirty="0"/>
-              <a:t>What Do Services Look Like?</a:t>
+              <a:t>Programming Server Side - Services</a:t>
             </a:r>
           </a:p>
         </p:txBody>
@@ -9607,51 +9733,55 @@
             <p:ph idx="1"/>
           </p:nvPr>
         </p:nvSpPr>
-        <p:spPr>
-          <a:xfrm>
-            <a:off x="656948" y="2237173"/>
-            <a:ext cx="11017188" cy="3512838"/>
-          </a:xfrm>
-        </p:spPr>
+        <p:spPr/>
         <p:txBody>
           <a:bodyPr/>
           <a:lstStyle/>
           <a:p>
             <a:r>
+              <a:rPr lang="en-US" dirty="0"/>
+              <a:t>All non-UI code should be in services</a:t>
+            </a:r>
+          </a:p>
+          <a:p>
+            <a:r>
+              <a:rPr lang="en-US" dirty="0"/>
+              <a:t>JSON over REST is the de-facto standard</a:t>
+            </a:r>
+          </a:p>
+          <a:p>
+            <a:r>
               <a:rPr lang="en-US" dirty="0" err="1"/>
-              <a:t>GetPeopleMatching</a:t>
-            </a:r>
-            <a:r>
-              <a:rPr lang="en-US" dirty="0"/>
-              <a:t>(“</a:t>
+              <a:t>WebAPI</a:t>
+            </a:r>
+            <a:r>
+              <a:rPr lang="en-US" dirty="0"/>
+              <a:t> or Node.js or ASP.NET Core </a:t>
             </a:r>
             <a:r>
               <a:rPr lang="en-US" dirty="0" err="1"/>
-              <a:t>yeag</a:t>
-            </a:r>
-            <a:r>
-              <a:rPr lang="en-US" dirty="0"/>
-              <a:t>”)</a:t>
-            </a:r>
-          </a:p>
-          <a:p>
-            <a:r>
-              <a:rPr lang="en-US" dirty="0" err="1"/>
-              <a:t>GetPerson</a:t>
-            </a:r>
-            <a:r>
-              <a:rPr lang="en-US" dirty="0"/>
-              <a:t>(3632BFA5-F0BF-4AB1-B5A2-DB1708783A6C)</a:t>
-            </a:r>
-          </a:p>
-          <a:p>
-            <a:r>
-              <a:rPr lang="en-US" dirty="0" err="1"/>
-              <a:t>SavePerson</a:t>
-            </a:r>
-            <a:r>
-              <a:rPr lang="en-US" dirty="0"/>
-              <a:t>(3632BFA5-F0BF-4AB1-B5A2-DB1708783A6C, “Mike”, “Yeager”, “myeager@eps-software.com”, “(832) 717-4445”, …)</a:t>
+              <a:t>WebAPI</a:t>
+            </a:r>
+            <a:endParaRPr lang="en-US" dirty="0"/>
+          </a:p>
+          <a:p>
+            <a:r>
+              <a:rPr lang="en-US" dirty="0"/>
+              <a:t>Assumed to be published on the same domain as the web site</a:t>
+            </a:r>
+          </a:p>
+          <a:p>
+            <a:pPr lvl="1"/>
+            <a:r>
+              <a:rPr lang="en-US" dirty="0"/>
+              <a:t>Use web server’s authentication – same authentication as the web site</a:t>
+            </a:r>
+          </a:p>
+          <a:p>
+            <a:pPr lvl="1"/>
+            <a:r>
+              <a:rPr lang="en-US" dirty="0"/>
+              <a:t>No cross-domain security issues</a:t>
             </a:r>
           </a:p>
         </p:txBody>
@@ -9659,7 +9789,7 @@
     </p:spTree>
     <p:extLst>
       <p:ext uri="{BB962C8B-B14F-4D97-AF65-F5344CB8AC3E}">
-        <p14:creationId xmlns:p14="http://schemas.microsoft.com/office/powerpoint/2010/main" val="2583163475"/>
+        <p14:creationId xmlns:p14="http://schemas.microsoft.com/office/powerpoint/2010/main" val="3003929675"/>
       </p:ext>
     </p:extLst>
   </p:cSld>
@@ -9889,21 +10019,14 @@
             <p:ph type="title"/>
           </p:nvPr>
         </p:nvSpPr>
-        <p:spPr>
-          <a:xfrm>
-            <a:off x="838200" y="1"/>
-            <a:ext cx="10933590" cy="1142999"/>
-          </a:xfrm>
-        </p:spPr>
-        <p:txBody>
-          <a:bodyPr>
-            <a:normAutofit/>
-          </a:bodyPr>
+        <p:spPr/>
+        <p:txBody>
+          <a:bodyPr/>
           <a:lstStyle/>
           <a:p>
             <a:r>
               <a:rPr lang="en-US" dirty="0"/>
-              <a:t>How Do We Build Services?</a:t>
+              <a:t>What Do Services Look Like?</a:t>
             </a:r>
           </a:p>
         </p:txBody>
@@ -9920,99 +10043,49 @@
         </p:nvSpPr>
         <p:spPr>
           <a:xfrm>
-            <a:off x="838200" y="1456267"/>
-            <a:ext cx="10515600" cy="4726324"/>
+            <a:off x="656948" y="2237173"/>
+            <a:ext cx="11017188" cy="3512838"/>
           </a:xfrm>
         </p:spPr>
         <p:txBody>
-          <a:bodyPr>
-            <a:normAutofit lnSpcReduction="10000"/>
-          </a:bodyPr>
+          <a:bodyPr/>
           <a:lstStyle/>
           <a:p>
             <a:r>
               <a:rPr lang="en-US" dirty="0" err="1"/>
-              <a:t>WebAPI</a:t>
-            </a:r>
-            <a:r>
-              <a:rPr lang="en-US" dirty="0"/>
-              <a:t> / IIS</a:t>
-            </a:r>
-          </a:p>
-          <a:p>
-            <a:r>
-              <a:rPr lang="en-US" dirty="0"/>
-              <a:t>WCF </a:t>
-            </a:r>
-          </a:p>
-          <a:p>
-            <a:r>
-              <a:rPr lang="en-US" dirty="0"/>
-              <a:t>WCF / CODE Framework / </a:t>
+              <a:t>GetPeopleMatching</a:t>
+            </a:r>
+            <a:r>
+              <a:rPr lang="en-US" dirty="0"/>
+              <a:t>(“</a:t>
             </a:r>
             <a:r>
               <a:rPr lang="en-US" dirty="0" err="1"/>
-              <a:t>WebAPI</a:t>
-            </a:r>
-            <a:r>
-              <a:rPr lang="en-US" dirty="0"/>
-              <a:t> / IIS</a:t>
-            </a:r>
-          </a:p>
-          <a:p>
-            <a:r>
-              <a:rPr lang="en-US" dirty="0"/>
-              <a:t>Node.js</a:t>
-            </a:r>
-          </a:p>
-          <a:p>
-            <a:r>
-              <a:rPr lang="en-US" dirty="0"/>
-              <a:t>PHP</a:t>
-            </a:r>
-          </a:p>
-          <a:p>
-            <a:r>
-              <a:rPr lang="en-US" dirty="0"/>
-              <a:t>Java</a:t>
-            </a:r>
-          </a:p>
-          <a:p>
-            <a:r>
-              <a:rPr lang="en-US" dirty="0"/>
-              <a:t>.NET http </a:t>
-            </a:r>
-          </a:p>
-          <a:p>
-            <a:r>
-              <a:rPr lang="en-US" dirty="0"/>
-              <a:t>.NET Core &amp; ASP.NET Core</a:t>
+              <a:t>yeag</a:t>
+            </a:r>
+            <a:r>
+              <a:rPr lang="en-US" dirty="0"/>
+              <a:t>”)</a:t>
             </a:r>
           </a:p>
           <a:p>
             <a:r>
               <a:rPr lang="en-US" dirty="0" err="1"/>
-              <a:t>Etc</a:t>
-            </a:r>
-            <a:r>
-              <a:rPr lang="en-US" dirty="0"/>
-              <a:t>…, </a:t>
-            </a:r>
+              <a:t>GetPerson</a:t>
+            </a:r>
+            <a:r>
+              <a:rPr lang="en-US" dirty="0"/>
+              <a:t>(3632BFA5-F0BF-4AB1-B5A2-DB1708783A6C)</a:t>
+            </a:r>
+          </a:p>
+          <a:p>
             <a:r>
               <a:rPr lang="en-US" dirty="0" err="1"/>
-              <a:t>etc</a:t>
-            </a:r>
-            <a:r>
-              <a:rPr lang="en-US" dirty="0"/>
-              <a:t>…, </a:t>
-            </a:r>
-            <a:r>
-              <a:rPr lang="en-US" dirty="0" err="1"/>
-              <a:t>etc</a:t>
-            </a:r>
-            <a:r>
-              <a:rPr lang="en-US" dirty="0"/>
-              <a:t>…</a:t>
+              <a:t>SavePerson</a:t>
+            </a:r>
+            <a:r>
+              <a:rPr lang="en-US" dirty="0"/>
+              <a:t>(3632BFA5-F0BF-4AB1-B5A2-DB1708783A6C, “Mike”, “Yeager”, “myeager@eps-software.com”, “(832) 717-4445”, …)</a:t>
             </a:r>
           </a:p>
         </p:txBody>
@@ -10020,7 +10093,7 @@
     </p:spTree>
     <p:extLst>
       <p:ext uri="{BB962C8B-B14F-4D97-AF65-F5344CB8AC3E}">
-        <p14:creationId xmlns:p14="http://schemas.microsoft.com/office/powerpoint/2010/main" val="19870220"/>
+        <p14:creationId xmlns:p14="http://schemas.microsoft.com/office/powerpoint/2010/main" val="2583163475"/>
       </p:ext>
     </p:extLst>
   </p:cSld>
@@ -10069,6 +10142,186 @@
             <p:ph type="title"/>
           </p:nvPr>
         </p:nvSpPr>
+        <p:spPr>
+          <a:xfrm>
+            <a:off x="838200" y="1"/>
+            <a:ext cx="10933590" cy="1142999"/>
+          </a:xfrm>
+        </p:spPr>
+        <p:txBody>
+          <a:bodyPr>
+            <a:normAutofit/>
+          </a:bodyPr>
+          <a:lstStyle/>
+          <a:p>
+            <a:r>
+              <a:rPr lang="en-US" dirty="0"/>
+              <a:t>How Do We Build Services?</a:t>
+            </a:r>
+          </a:p>
+        </p:txBody>
+      </p:sp>
+      <p:sp>
+        <p:nvSpPr>
+          <p:cNvPr id="3" name="Content Placeholder 2"/>
+          <p:cNvSpPr>
+            <a:spLocks noGrp="1"/>
+          </p:cNvSpPr>
+          <p:nvPr>
+            <p:ph idx="1"/>
+          </p:nvPr>
+        </p:nvSpPr>
+        <p:spPr>
+          <a:xfrm>
+            <a:off x="838200" y="1456267"/>
+            <a:ext cx="10515600" cy="4726324"/>
+          </a:xfrm>
+        </p:spPr>
+        <p:txBody>
+          <a:bodyPr>
+            <a:normAutofit lnSpcReduction="10000"/>
+          </a:bodyPr>
+          <a:lstStyle/>
+          <a:p>
+            <a:r>
+              <a:rPr lang="en-US" dirty="0" err="1"/>
+              <a:t>WebAPI</a:t>
+            </a:r>
+            <a:r>
+              <a:rPr lang="en-US" dirty="0"/>
+              <a:t> / IIS</a:t>
+            </a:r>
+          </a:p>
+          <a:p>
+            <a:r>
+              <a:rPr lang="en-US" dirty="0"/>
+              <a:t>WCF </a:t>
+            </a:r>
+          </a:p>
+          <a:p>
+            <a:r>
+              <a:rPr lang="en-US" dirty="0"/>
+              <a:t>WCF / CODE Framework / </a:t>
+            </a:r>
+            <a:r>
+              <a:rPr lang="en-US" dirty="0" err="1"/>
+              <a:t>WebAPI</a:t>
+            </a:r>
+            <a:r>
+              <a:rPr lang="en-US" dirty="0"/>
+              <a:t> / IIS</a:t>
+            </a:r>
+          </a:p>
+          <a:p>
+            <a:r>
+              <a:rPr lang="en-US" dirty="0"/>
+              <a:t>Node.js</a:t>
+            </a:r>
+          </a:p>
+          <a:p>
+            <a:r>
+              <a:rPr lang="en-US" dirty="0"/>
+              <a:t>PHP</a:t>
+            </a:r>
+          </a:p>
+          <a:p>
+            <a:r>
+              <a:rPr lang="en-US" dirty="0"/>
+              <a:t>Java</a:t>
+            </a:r>
+          </a:p>
+          <a:p>
+            <a:r>
+              <a:rPr lang="en-US" dirty="0"/>
+              <a:t>.NET http </a:t>
+            </a:r>
+          </a:p>
+          <a:p>
+            <a:r>
+              <a:rPr lang="en-US" dirty="0"/>
+              <a:t>.NET Core &amp; ASP.NET Core</a:t>
+            </a:r>
+          </a:p>
+          <a:p>
+            <a:r>
+              <a:rPr lang="en-US" dirty="0" err="1"/>
+              <a:t>Etc</a:t>
+            </a:r>
+            <a:r>
+              <a:rPr lang="en-US" dirty="0"/>
+              <a:t>…, </a:t>
+            </a:r>
+            <a:r>
+              <a:rPr lang="en-US" dirty="0" err="1"/>
+              <a:t>etc</a:t>
+            </a:r>
+            <a:r>
+              <a:rPr lang="en-US" dirty="0"/>
+              <a:t>…, </a:t>
+            </a:r>
+            <a:r>
+              <a:rPr lang="en-US" dirty="0" err="1"/>
+              <a:t>etc</a:t>
+            </a:r>
+            <a:r>
+              <a:rPr lang="en-US" dirty="0"/>
+              <a:t>…</a:t>
+            </a:r>
+          </a:p>
+        </p:txBody>
+      </p:sp>
+    </p:spTree>
+    <p:extLst>
+      <p:ext uri="{BB962C8B-B14F-4D97-AF65-F5344CB8AC3E}">
+        <p14:creationId xmlns:p14="http://schemas.microsoft.com/office/powerpoint/2010/main" val="19870220"/>
+      </p:ext>
+    </p:extLst>
+  </p:cSld>
+  <p:clrMapOvr>
+    <a:masterClrMapping/>
+  </p:clrMapOvr>
+  <mc:AlternateContent xmlns:mc="http://schemas.openxmlformats.org/markup-compatibility/2006" xmlns:p14="http://schemas.microsoft.com/office/powerpoint/2010/main">
+    <mc:Choice Requires="p14">
+      <p:transition spd="med" p14:dur="600">
+        <p:cover/>
+      </p:transition>
+    </mc:Choice>
+    <mc:Fallback xmlns="">
+      <p:transition spd="med">
+        <p:cover/>
+      </p:transition>
+    </mc:Fallback>
+  </mc:AlternateContent>
+</p:sld>
+</file>
+
+<file path=ppt/slides/slide22.xml><?xml version="1.0" encoding="utf-8"?>
+<p:sld xmlns:a="http://schemas.openxmlformats.org/drawingml/2006/main" xmlns:r="http://schemas.openxmlformats.org/officeDocument/2006/relationships" xmlns:p="http://schemas.openxmlformats.org/presentationml/2006/main">
+  <p:cSld>
+    <p:spTree>
+      <p:nvGrpSpPr>
+        <p:cNvPr id="1" name=""/>
+        <p:cNvGrpSpPr/>
+        <p:nvPr/>
+      </p:nvGrpSpPr>
+      <p:grpSpPr>
+        <a:xfrm>
+          <a:off x="0" y="0"/>
+          <a:ext cx="0" cy="0"/>
+          <a:chOff x="0" y="0"/>
+          <a:chExt cx="0" cy="0"/>
+        </a:xfrm>
+      </p:grpSpPr>
+      <p:sp>
+        <p:nvSpPr>
+          <p:cNvPr id="2" name="Title 1"/>
+          <p:cNvSpPr>
+            <a:spLocks noGrp="1"/>
+          </p:cNvSpPr>
+          <p:nvPr>
+            <p:ph type="title"/>
+          </p:nvPr>
+        </p:nvSpPr>
         <p:spPr/>
         <p:txBody>
           <a:bodyPr/>
@@ -10140,41 +10393,6 @@
       </p:sp>
       <p:sp>
         <p:nvSpPr>
-          <p:cNvPr id="3" name="Rectangle 2"/>
-          <p:cNvSpPr/>
-          <p:nvPr/>
-        </p:nvSpPr>
-        <p:spPr>
-          <a:xfrm>
-            <a:off x="0" y="5281397"/>
-            <a:ext cx="12192000" cy="461665"/>
-          </a:xfrm>
-          <a:prstGeom prst="rect">
-            <a:avLst/>
-          </a:prstGeom>
-        </p:spPr>
-        <p:txBody>
-          <a:bodyPr wrap="square">
-            <a:spAutoFit/>
-          </a:bodyPr>
-          <a:lstStyle/>
-          <a:p>
-            <a:pPr algn="ctr"/>
-            <a:r>
-              <a:rPr lang="en-US" sz="2400" dirty="0">
-                <a:hlinkClick r:id="rId2"/>
-              </a:rPr>
-              <a:t>https://github.com/TexasJetter/AzureBootCamp2017</a:t>
-            </a:r>
-            <a:r>
-              <a:rPr lang="en-US" sz="2400" dirty="0"/>
-              <a:t> (Person) </a:t>
-            </a:r>
-          </a:p>
-        </p:txBody>
-      </p:sp>
-      <p:sp>
-        <p:nvSpPr>
           <p:cNvPr id="5" name="Rectangle 4"/>
           <p:cNvSpPr/>
           <p:nvPr/>
@@ -10197,7 +10415,7 @@
             <a:pPr algn="ctr"/>
             <a:r>
               <a:rPr lang="en-US" sz="2400" dirty="0">
-                <a:hlinkClick r:id="rId3"/>
+                <a:hlinkClick r:id="rId2"/>
               </a:rPr>
               <a:t>https://github.com/kahanu/AzureBootcamp2017</a:t>
             </a:r>
@@ -10233,7 +10451,7 @@
 </p:sld>
 </file>
 
-<file path=ppt/slides/slide22.xml><?xml version="1.0" encoding="utf-8"?>
+<file path=ppt/slides/slide23.xml><?xml version="1.0" encoding="utf-8"?>
 <p:sld xmlns:a="http://schemas.openxmlformats.org/drawingml/2006/main" xmlns:r="http://schemas.openxmlformats.org/officeDocument/2006/relationships" xmlns:p="http://schemas.openxmlformats.org/presentationml/2006/main">
   <p:cSld>
     <p:spTree>
@@ -10327,7 +10545,7 @@
 </p:sld>
 </file>
 
-<file path=ppt/slides/slide23.xml><?xml version="1.0" encoding="utf-8"?>
+<file path=ppt/slides/slide24.xml><?xml version="1.0" encoding="utf-8"?>
 <p:sld xmlns:a="http://schemas.openxmlformats.org/drawingml/2006/main" xmlns:r="http://schemas.openxmlformats.org/officeDocument/2006/relationships" xmlns:p="http://schemas.openxmlformats.org/presentationml/2006/main">
   <p:cSld>
     <p:spTree>
@@ -10958,7 +11176,7 @@
 </p:sld>
 </file>
 
-<file path=ppt/slides/slide24.xml><?xml version="1.0" encoding="utf-8"?>
+<file path=ppt/slides/slide25.xml><?xml version="1.0" encoding="utf-8"?>
 <p:sld xmlns:a="http://schemas.openxmlformats.org/drawingml/2006/main" xmlns:r="http://schemas.openxmlformats.org/officeDocument/2006/relationships" xmlns:p="http://schemas.openxmlformats.org/presentationml/2006/main">
   <p:cSld>
     <p:spTree>
@@ -11845,156 +12063,6 @@
 </p:sld>
 </file>
 
-<file path=ppt/slides/slide25.xml><?xml version="1.0" encoding="utf-8"?>
-<p:sld xmlns:a="http://schemas.openxmlformats.org/drawingml/2006/main" xmlns:r="http://schemas.openxmlformats.org/officeDocument/2006/relationships" xmlns:p="http://schemas.openxmlformats.org/presentationml/2006/main">
-  <p:cSld>
-    <p:spTree>
-      <p:nvGrpSpPr>
-        <p:cNvPr id="1" name=""/>
-        <p:cNvGrpSpPr/>
-        <p:nvPr/>
-      </p:nvGrpSpPr>
-      <p:grpSpPr>
-        <a:xfrm>
-          <a:off x="0" y="0"/>
-          <a:ext cx="0" cy="0"/>
-          <a:chOff x="0" y="0"/>
-          <a:chExt cx="0" cy="0"/>
-        </a:xfrm>
-      </p:grpSpPr>
-      <p:sp>
-        <p:nvSpPr>
-          <p:cNvPr id="2" name="Title 1"/>
-          <p:cNvSpPr>
-            <a:spLocks noGrp="1"/>
-          </p:cNvSpPr>
-          <p:nvPr>
-            <p:ph type="title"/>
-          </p:nvPr>
-        </p:nvSpPr>
-        <p:spPr/>
-        <p:txBody>
-          <a:bodyPr/>
-          <a:lstStyle/>
-          <a:p>
-            <a:r>
-              <a:rPr lang="en-US" dirty="0"/>
-              <a:t>Implications</a:t>
-            </a:r>
-          </a:p>
-        </p:txBody>
-      </p:sp>
-      <p:sp>
-        <p:nvSpPr>
-          <p:cNvPr id="3" name="Content Placeholder 2"/>
-          <p:cNvSpPr>
-            <a:spLocks noGrp="1"/>
-          </p:cNvSpPr>
-          <p:nvPr>
-            <p:ph idx="1"/>
-          </p:nvPr>
-        </p:nvSpPr>
-        <p:spPr>
-          <a:xfrm>
-            <a:off x="838200" y="1456267"/>
-            <a:ext cx="10515600" cy="4673600"/>
-          </a:xfrm>
-        </p:spPr>
-        <p:txBody>
-          <a:bodyPr/>
-          <a:lstStyle/>
-          <a:p>
-            <a:r>
-              <a:rPr lang="en-US" dirty="0"/>
-              <a:t>Web server does a whole lot less:</a:t>
-            </a:r>
-          </a:p>
-          <a:p>
-            <a:pPr lvl="1"/>
-            <a:r>
-              <a:rPr lang="en-US" dirty="0"/>
-              <a:t>Serves (mostly) static web pages</a:t>
-            </a:r>
-          </a:p>
-          <a:p>
-            <a:pPr lvl="1"/>
-            <a:r>
-              <a:rPr lang="en-US" dirty="0"/>
-              <a:t>Authenticates users</a:t>
-            </a:r>
-          </a:p>
-          <a:p>
-            <a:pPr lvl="1"/>
-            <a:r>
-              <a:rPr lang="en-US" dirty="0"/>
-              <a:t>Hosts service calls</a:t>
-            </a:r>
-          </a:p>
-          <a:p>
-            <a:pPr lvl="1"/>
-            <a:endParaRPr lang="en-US" dirty="0"/>
-          </a:p>
-          <a:p>
-            <a:r>
-              <a:rPr lang="en-US" dirty="0"/>
-              <a:t>Browser does a whole lot more</a:t>
-            </a:r>
-          </a:p>
-          <a:p>
-            <a:pPr lvl="1"/>
-            <a:r>
-              <a:rPr lang="en-US" dirty="0"/>
-              <a:t>HTML is built or served from JavaScript</a:t>
-            </a:r>
-          </a:p>
-          <a:p>
-            <a:pPr lvl="1"/>
-            <a:r>
-              <a:rPr lang="en-US" dirty="0"/>
-              <a:t>AJAX service calls / No post backs</a:t>
-            </a:r>
-          </a:p>
-          <a:p>
-            <a:pPr lvl="1"/>
-            <a:r>
-              <a:rPr lang="en-US" dirty="0"/>
-              <a:t>UI flow</a:t>
-            </a:r>
-          </a:p>
-          <a:p>
-            <a:pPr lvl="1"/>
-            <a:r>
-              <a:rPr lang="en-US" dirty="0"/>
-              <a:t>UI logic</a:t>
-            </a:r>
-          </a:p>
-        </p:txBody>
-      </p:sp>
-    </p:spTree>
-    <p:extLst>
-      <p:ext uri="{BB962C8B-B14F-4D97-AF65-F5344CB8AC3E}">
-        <p14:creationId xmlns:p14="http://schemas.microsoft.com/office/powerpoint/2010/main" val="3299598597"/>
-      </p:ext>
-    </p:extLst>
-  </p:cSld>
-  <p:clrMapOvr>
-    <a:masterClrMapping/>
-  </p:clrMapOvr>
-  <mc:AlternateContent xmlns:mc="http://schemas.openxmlformats.org/markup-compatibility/2006" xmlns:p14="http://schemas.microsoft.com/office/powerpoint/2010/main">
-    <mc:Choice Requires="p14">
-      <p:transition spd="med" p14:dur="600">
-        <p:cover/>
-      </p:transition>
-    </mc:Choice>
-    <mc:Fallback xmlns="">
-      <p:transition spd="med">
-        <p:cover/>
-      </p:transition>
-    </mc:Fallback>
-  </mc:AlternateContent>
-</p:sld>
-</file>
-
 <file path=ppt/slides/slide26.xml><?xml version="1.0" encoding="utf-8"?>
 <p:sld xmlns:a="http://schemas.openxmlformats.org/drawingml/2006/main" xmlns:r="http://schemas.openxmlformats.org/officeDocument/2006/relationships" xmlns:p="http://schemas.openxmlformats.org/presentationml/2006/main">
   <p:cSld>
@@ -12029,7 +12097,7 @@
           <a:p>
             <a:r>
               <a:rPr lang="en-US" dirty="0"/>
-              <a:t>What is Angular ?</a:t>
+              <a:t>Implications</a:t>
             </a:r>
           </a:p>
         </p:txBody>
@@ -12047,61 +12115,75 @@
         <p:spPr>
           <a:xfrm>
             <a:off x="838200" y="1456267"/>
-            <a:ext cx="10515600" cy="4990832"/>
+            <a:ext cx="10515600" cy="4673600"/>
           </a:xfrm>
         </p:spPr>
         <p:txBody>
-          <a:bodyPr>
-            <a:normAutofit lnSpcReduction="10000"/>
-          </a:bodyPr>
+          <a:bodyPr/>
           <a:lstStyle/>
           <a:p>
             <a:r>
               <a:rPr lang="en-US" dirty="0"/>
-              <a:t>Angular is a (massive) framework for building JavaScript applications including, but not limited to browser applications (SPAs)</a:t>
-            </a:r>
-          </a:p>
-          <a:p>
-            <a:r>
-              <a:rPr lang="en-US" dirty="0"/>
-              <a:t>Released (out of CTP) in September 2016</a:t>
-            </a:r>
-          </a:p>
-          <a:p>
-            <a:r>
-              <a:rPr lang="en-US" dirty="0"/>
-              <a:t>A re-thinking of version 1</a:t>
-            </a:r>
-          </a:p>
-          <a:p>
-            <a:r>
-              <a:rPr lang="en-US" dirty="0"/>
-              <a:t>Includes features such as data-binding, HTML templating, in-browser routing, application structure, out of the box support for CSS styling, and a whole lot more!</a:t>
-            </a:r>
-          </a:p>
-          <a:p>
-            <a:r>
-              <a:rPr lang="en-US" dirty="0"/>
-              <a:t>Built with </a:t>
-            </a:r>
-            <a:r>
-              <a:rPr lang="en-US" dirty="0" err="1"/>
-              <a:t>TypeScript</a:t>
-            </a:r>
+              <a:t>Web server does a whole lot less:</a:t>
+            </a:r>
+          </a:p>
+          <a:p>
+            <a:pPr lvl="1"/>
+            <a:r>
+              <a:rPr lang="en-US" dirty="0"/>
+              <a:t>Serves (mostly) static web pages</a:t>
+            </a:r>
+          </a:p>
+          <a:p>
+            <a:pPr lvl="1"/>
+            <a:r>
+              <a:rPr lang="en-US" dirty="0"/>
+              <a:t>Authenticates users</a:t>
+            </a:r>
+          </a:p>
+          <a:p>
+            <a:pPr lvl="1"/>
+            <a:r>
+              <a:rPr lang="en-US" dirty="0"/>
+              <a:t>Hosts service calls</a:t>
+            </a:r>
+          </a:p>
+          <a:p>
+            <a:pPr lvl="1"/>
             <a:endParaRPr lang="en-US" dirty="0"/>
           </a:p>
           <a:p>
             <a:r>
               <a:rPr lang="en-US" dirty="0"/>
-              <a:t>Utilizes many other open source </a:t>
-            </a:r>
-            <a:r>
-              <a:rPr lang="en-US" dirty="0" err="1"/>
-              <a:t>js</a:t>
-            </a:r>
-            <a:r>
-              <a:rPr lang="en-US" dirty="0"/>
-              <a:t> ‘frameworks’</a:t>
+              <a:t>Browser does a whole lot more</a:t>
+            </a:r>
+          </a:p>
+          <a:p>
+            <a:pPr lvl="1"/>
+            <a:r>
+              <a:rPr lang="en-US" dirty="0"/>
+              <a:t>HTML is built or served from JavaScript</a:t>
+            </a:r>
+          </a:p>
+          <a:p>
+            <a:pPr lvl="1"/>
+            <a:r>
+              <a:rPr lang="en-US" dirty="0"/>
+              <a:t>AJAX service calls / No post backs</a:t>
+            </a:r>
+          </a:p>
+          <a:p>
+            <a:pPr lvl="1"/>
+            <a:r>
+              <a:rPr lang="en-US" dirty="0"/>
+              <a:t>UI flow</a:t>
+            </a:r>
+          </a:p>
+          <a:p>
+            <a:pPr lvl="1"/>
+            <a:r>
+              <a:rPr lang="en-US" dirty="0"/>
+              <a:t>UI logic</a:t>
             </a:r>
           </a:p>
         </p:txBody>
@@ -12109,7 +12191,7 @@
     </p:spTree>
     <p:extLst>
       <p:ext uri="{BB962C8B-B14F-4D97-AF65-F5344CB8AC3E}">
-        <p14:creationId xmlns:p14="http://schemas.microsoft.com/office/powerpoint/2010/main" val="44691990"/>
+        <p14:creationId xmlns:p14="http://schemas.microsoft.com/office/powerpoint/2010/main" val="3299598597"/>
       </p:ext>
     </p:extLst>
   </p:cSld>
@@ -12165,70 +12247,79 @@
           <a:p>
             <a:r>
               <a:rPr lang="en-US" dirty="0"/>
-              <a:t>Angular Architecture</a:t>
-            </a:r>
-          </a:p>
-        </p:txBody>
-      </p:sp>
-      <p:pic>
-        <p:nvPicPr>
-          <p:cNvPr id="4" name="Content Placeholder 3"/>
-          <p:cNvPicPr>
-            <a:picLocks noGrp="1" noChangeAspect="1"/>
-          </p:cNvPicPr>
+              <a:t>What is Angular ?</a:t>
+            </a:r>
+          </a:p>
+        </p:txBody>
+      </p:sp>
+      <p:sp>
+        <p:nvSpPr>
+          <p:cNvPr id="3" name="Content Placeholder 2"/>
+          <p:cNvSpPr>
+            <a:spLocks noGrp="1"/>
+          </p:cNvSpPr>
           <p:nvPr>
             <p:ph idx="1"/>
           </p:nvPr>
-        </p:nvPicPr>
-        <p:blipFill>
-          <a:blip r:embed="rId2">
-            <a:extLst>
-              <a:ext uri="{28A0092B-C50C-407E-A947-70E740481C1C}">
-                <a14:useLocalDpi xmlns:a14="http://schemas.microsoft.com/office/drawing/2010/main" val="0"/>
-              </a:ext>
-            </a:extLst>
-          </a:blip>
-          <a:stretch>
-            <a:fillRect/>
-          </a:stretch>
-        </p:blipFill>
+        </p:nvSpPr>
         <p:spPr>
           <a:xfrm>
-            <a:off x="765313" y="1287061"/>
-            <a:ext cx="10098524" cy="5133617"/>
+            <a:off x="838200" y="1456267"/>
+            <a:ext cx="10515600" cy="4990832"/>
           </a:xfrm>
         </p:spPr>
-      </p:pic>
-      <p:sp>
-        <p:nvSpPr>
-          <p:cNvPr id="3" name="Rectangle 2"/>
-          <p:cNvSpPr/>
-          <p:nvPr/>
-        </p:nvSpPr>
-        <p:spPr>
-          <a:xfrm>
-            <a:off x="4881493" y="6236012"/>
-            <a:ext cx="5524910" cy="369332"/>
-          </a:xfrm>
-          <a:prstGeom prst="rect">
-            <a:avLst/>
-          </a:prstGeom>
-        </p:spPr>
-        <p:txBody>
-          <a:bodyPr wrap="none">
-            <a:spAutoFit/>
+        <p:txBody>
+          <a:bodyPr>
+            <a:normAutofit lnSpcReduction="10000"/>
           </a:bodyPr>
           <a:lstStyle/>
           <a:p>
             <a:r>
-              <a:rPr lang="en-US" dirty="0">
-                <a:hlinkClick r:id="rId3"/>
-              </a:rPr>
-              <a:t>https://angular.io/docs/ts/latest/guide/architecture.html</a:t>
-            </a:r>
-            <a:r>
-              <a:rPr lang="en-US" dirty="0"/>
-              <a:t> </a:t>
+              <a:rPr lang="en-US" dirty="0"/>
+              <a:t>Angular is a (massive) framework for building JavaScript applications including, but not limited to browser applications (SPAs)</a:t>
+            </a:r>
+          </a:p>
+          <a:p>
+            <a:r>
+              <a:rPr lang="en-US" dirty="0"/>
+              <a:t>Released (out of CTP) in September 2016</a:t>
+            </a:r>
+          </a:p>
+          <a:p>
+            <a:r>
+              <a:rPr lang="en-US" dirty="0"/>
+              <a:t>A re-thinking of version 1</a:t>
+            </a:r>
+          </a:p>
+          <a:p>
+            <a:r>
+              <a:rPr lang="en-US" dirty="0"/>
+              <a:t>Includes features such as data-binding, HTML templating, in-browser routing, application structure, out of the box support for CSS styling, and a whole lot more!</a:t>
+            </a:r>
+          </a:p>
+          <a:p>
+            <a:r>
+              <a:rPr lang="en-US" dirty="0"/>
+              <a:t>Built with </a:t>
+            </a:r>
+            <a:r>
+              <a:rPr lang="en-US" dirty="0" err="1"/>
+              <a:t>TypeScript</a:t>
+            </a:r>
+            <a:endParaRPr lang="en-US" dirty="0"/>
+          </a:p>
+          <a:p>
+            <a:r>
+              <a:rPr lang="en-US" dirty="0"/>
+              <a:t>Utilizes many other open source </a:t>
+            </a:r>
+            <a:r>
+              <a:rPr lang="en-US" dirty="0" err="1"/>
+              <a:t>js</a:t>
+            </a:r>
+            <a:r>
+              <a:rPr lang="en-US" dirty="0"/>
+              <a:t> ‘frameworks’</a:t>
             </a:r>
           </a:p>
         </p:txBody>
@@ -12236,7 +12327,7 @@
     </p:spTree>
     <p:extLst>
       <p:ext uri="{BB962C8B-B14F-4D97-AF65-F5344CB8AC3E}">
-        <p14:creationId xmlns:p14="http://schemas.microsoft.com/office/powerpoint/2010/main" val="1971238150"/>
+        <p14:creationId xmlns:p14="http://schemas.microsoft.com/office/powerpoint/2010/main" val="44691990"/>
       </p:ext>
     </p:extLst>
   </p:cSld>
@@ -12292,107 +12383,78 @@
           <a:p>
             <a:r>
               <a:rPr lang="en-US" dirty="0"/>
-              <a:t>In .NET We Would Call That…</a:t>
-            </a:r>
-          </a:p>
-        </p:txBody>
-      </p:sp>
-      <p:sp>
-        <p:nvSpPr>
-          <p:cNvPr id="3" name="Content Placeholder 2"/>
-          <p:cNvSpPr>
-            <a:spLocks noGrp="1"/>
-          </p:cNvSpPr>
+              <a:t>Angular Architecture</a:t>
+            </a:r>
+          </a:p>
+        </p:txBody>
+      </p:sp>
+      <p:pic>
+        <p:nvPicPr>
+          <p:cNvPr id="4" name="Content Placeholder 3"/>
+          <p:cNvPicPr>
+            <a:picLocks noGrp="1" noChangeAspect="1"/>
+          </p:cNvPicPr>
           <p:nvPr>
             <p:ph idx="1"/>
           </p:nvPr>
-        </p:nvSpPr>
-        <p:spPr/>
-        <p:txBody>
-          <a:bodyPr/>
+        </p:nvPicPr>
+        <p:blipFill>
+          <a:blip r:embed="rId2">
+            <a:extLst>
+              <a:ext uri="{28A0092B-C50C-407E-A947-70E740481C1C}">
+                <a14:useLocalDpi xmlns:a14="http://schemas.microsoft.com/office/drawing/2010/main" val="0"/>
+              </a:ext>
+            </a:extLst>
+          </a:blip>
+          <a:stretch>
+            <a:fillRect/>
+          </a:stretch>
+        </p:blipFill>
+        <p:spPr>
+          <a:xfrm>
+            <a:off x="765313" y="1287061"/>
+            <a:ext cx="10098524" cy="5133617"/>
+          </a:xfrm>
+        </p:spPr>
+      </p:pic>
+      <p:sp>
+        <p:nvSpPr>
+          <p:cNvPr id="3" name="Rectangle 2"/>
+          <p:cNvSpPr/>
+          <p:nvPr/>
+        </p:nvSpPr>
+        <p:spPr>
+          <a:xfrm>
+            <a:off x="4881493" y="6236012"/>
+            <a:ext cx="5524910" cy="369332"/>
+          </a:xfrm>
+          <a:prstGeom prst="rect">
+            <a:avLst/>
+          </a:prstGeom>
+        </p:spPr>
+        <p:txBody>
+          <a:bodyPr wrap="none">
+            <a:spAutoFit/>
+          </a:bodyPr>
           <a:lstStyle/>
           <a:p>
             <a:r>
-              <a:rPr lang="en-US" dirty="0"/>
-              <a:t>Annotation/Decorator </a:t>
-            </a:r>
-            <a:r>
               <a:rPr lang="en-US" dirty="0">
-                <a:sym typeface="Wingdings" panose="05000000000000000000" pitchFamily="2" charset="2"/>
+                <a:hlinkClick r:id="rId3"/>
               </a:rPr>
-              <a:t> Attribute  </a:t>
-            </a:r>
-            <a:r>
-              <a:rPr lang="en-US" sz="1800" dirty="0">
-                <a:sym typeface="Wingdings" panose="05000000000000000000" pitchFamily="2" charset="2"/>
-              </a:rPr>
-              <a:t>(e.g. @Module, @Component, @Injectable)</a:t>
-            </a:r>
-            <a:endParaRPr lang="en-US" dirty="0">
-              <a:sym typeface="Wingdings" panose="05000000000000000000" pitchFamily="2" charset="2"/>
-            </a:endParaRPr>
-          </a:p>
-          <a:p>
-            <a:r>
-              <a:rPr lang="en-US" dirty="0">
-                <a:sym typeface="Wingdings" panose="05000000000000000000" pitchFamily="2" charset="2"/>
-              </a:rPr>
-              <a:t>Promise  Task (</a:t>
-            </a:r>
-            <a:r>
-              <a:rPr lang="en-US" dirty="0" err="1">
-                <a:sym typeface="Wingdings" panose="05000000000000000000" pitchFamily="2" charset="2"/>
-              </a:rPr>
-              <a:t>async</a:t>
-            </a:r>
-            <a:r>
-              <a:rPr lang="en-US" dirty="0">
-                <a:sym typeface="Wingdings" panose="05000000000000000000" pitchFamily="2" charset="2"/>
-              </a:rPr>
-              <a:t> &amp; await)</a:t>
-            </a:r>
-          </a:p>
-          <a:p>
-            <a:r>
-              <a:rPr lang="en-US" dirty="0">
-                <a:sym typeface="Wingdings" panose="05000000000000000000" pitchFamily="2" charset="2"/>
-              </a:rPr>
-              <a:t>@Module  Manifest for a Logical Grouping / SPA</a:t>
-            </a:r>
-          </a:p>
-          <a:p>
-            <a:r>
-              <a:rPr lang="en-US" dirty="0">
-                <a:sym typeface="Wingdings" panose="05000000000000000000" pitchFamily="2" charset="2"/>
-              </a:rPr>
-              <a:t>@Component  Page or Part of a Page</a:t>
-            </a:r>
-          </a:p>
-          <a:p>
-            <a:r>
-              <a:rPr lang="en-US" dirty="0">
-                <a:sym typeface="Wingdings" panose="05000000000000000000" pitchFamily="2" charset="2"/>
-              </a:rPr>
-              <a:t>.then()  Callback</a:t>
-            </a:r>
-          </a:p>
-          <a:p>
-            <a:r>
-              <a:rPr lang="en-US" dirty="0">
-                <a:sym typeface="Wingdings" panose="05000000000000000000" pitchFamily="2" charset="2"/>
-              </a:rPr>
-              <a:t>Import  using in C#</a:t>
-            </a:r>
-          </a:p>
-          <a:p>
-            <a:endParaRPr lang="en-US" dirty="0"/>
+              <a:t>https://angular.io/docs/ts/latest/guide/architecture.html</a:t>
+            </a:r>
+            <a:r>
+              <a:rPr lang="en-US" dirty="0"/>
+              <a:t> </a:t>
+            </a:r>
           </a:p>
         </p:txBody>
       </p:sp>
     </p:spTree>
     <p:extLst>
       <p:ext uri="{BB962C8B-B14F-4D97-AF65-F5344CB8AC3E}">
-        <p14:creationId xmlns:p14="http://schemas.microsoft.com/office/powerpoint/2010/main" val="1081351253"/>
+        <p14:creationId xmlns:p14="http://schemas.microsoft.com/office/powerpoint/2010/main" val="1971238150"/>
       </p:ext>
     </p:extLst>
   </p:cSld>
@@ -12448,7 +12510,7 @@
           <a:p>
             <a:r>
               <a:rPr lang="en-US" dirty="0"/>
-              <a:t>Angular Concepts &amp; Terms</a:t>
+              <a:t>In .NET We Would Call That…</a:t>
             </a:r>
           </a:p>
         </p:txBody>
@@ -12463,110 +12525,84 @@
             <p:ph idx="1"/>
           </p:nvPr>
         </p:nvSpPr>
-        <p:spPr>
-          <a:xfrm>
-            <a:off x="640080" y="1456266"/>
-            <a:ext cx="10952480" cy="4893733"/>
-          </a:xfrm>
-        </p:spPr>
-        <p:txBody>
-          <a:bodyPr>
-            <a:normAutofit/>
-          </a:bodyPr>
+        <p:spPr/>
+        <p:txBody>
+          <a:bodyPr/>
           <a:lstStyle/>
           <a:p>
             <a:r>
               <a:rPr lang="en-US" dirty="0"/>
-              <a:t>Module </a:t>
-            </a:r>
-            <a:r>
-              <a:rPr lang="en-US" sz="2400" dirty="0"/>
-              <a:t>(manifest for logical grouping)</a:t>
-            </a:r>
-            <a:endParaRPr lang="en-US" dirty="0"/>
-          </a:p>
-          <a:p>
-            <a:r>
-              <a:rPr lang="en-US" dirty="0"/>
-              <a:t>Component </a:t>
-            </a:r>
-            <a:r>
-              <a:rPr lang="en-US" sz="2400" dirty="0"/>
-              <a:t>(page or part of a page)</a:t>
-            </a:r>
-            <a:endParaRPr lang="en-US" dirty="0"/>
-          </a:p>
-          <a:p>
-            <a:r>
-              <a:rPr lang="en-US" dirty="0"/>
-              <a:t>Template </a:t>
-            </a:r>
-            <a:r>
-              <a:rPr lang="en-US" sz="2400" dirty="0"/>
-              <a:t>(html)</a:t>
-            </a:r>
-          </a:p>
-          <a:p>
-            <a:r>
-              <a:rPr lang="en-US" dirty="0"/>
-              <a:t>Metadata </a:t>
-            </a:r>
-            <a:r>
-              <a:rPr lang="en-US" sz="2400" dirty="0"/>
-              <a:t>(attributes)</a:t>
-            </a:r>
-          </a:p>
-          <a:p>
-            <a:r>
-              <a:rPr lang="en-US" dirty="0"/>
-              <a:t>Data Binding</a:t>
-            </a:r>
-          </a:p>
-          <a:p>
-            <a:r>
-              <a:rPr lang="en-US" dirty="0"/>
-              <a:t>Directive </a:t>
-            </a:r>
-            <a:r>
-              <a:rPr lang="en-US" sz="2400" dirty="0"/>
-              <a:t>(component, structural e.g. </a:t>
-            </a:r>
-            <a:r>
-              <a:rPr lang="en-US" sz="2400" dirty="0" err="1"/>
-              <a:t>NgFor</a:t>
-            </a:r>
-            <a:r>
-              <a:rPr lang="en-US" sz="2400" dirty="0"/>
-              <a:t>, attribute e.g. [(</a:t>
-            </a:r>
-            <a:r>
-              <a:rPr lang="en-US" sz="2400" dirty="0" err="1"/>
-              <a:t>NgModel</a:t>
-            </a:r>
-            <a:r>
-              <a:rPr lang="en-US" sz="2400" dirty="0"/>
-              <a:t>)] )</a:t>
-            </a:r>
-          </a:p>
-          <a:p>
-            <a:r>
-              <a:rPr lang="en-US" dirty="0"/>
-              <a:t>Service </a:t>
-            </a:r>
-            <a:r>
-              <a:rPr lang="en-US" sz="2400" dirty="0"/>
-              <a:t>(class shared across many components)</a:t>
-            </a:r>
-          </a:p>
-          <a:p>
-            <a:r>
-              <a:rPr lang="en-US" dirty="0"/>
-              <a:t>Dependency Injection </a:t>
-            </a:r>
-            <a:r>
-              <a:rPr lang="en-US" sz="2400" dirty="0"/>
-              <a:t>(default way to spin up new instances)</a:t>
-            </a:r>
+              <a:t>Annotation/Decorator </a:t>
+            </a:r>
+            <a:r>
+              <a:rPr lang="en-US" dirty="0">
+                <a:sym typeface="Wingdings" panose="05000000000000000000" pitchFamily="2" charset="2"/>
+              </a:rPr>
+              <a:t> Attribute  </a:t>
+            </a:r>
+            <a:r>
+              <a:rPr lang="en-US" sz="1800" dirty="0">
+                <a:sym typeface="Wingdings" panose="05000000000000000000" pitchFamily="2" charset="2"/>
+              </a:rPr>
+              <a:t>(e.g. @Module, @Component, @Injectable)</a:t>
+            </a:r>
+            <a:endParaRPr lang="en-US" dirty="0">
+              <a:sym typeface="Wingdings" panose="05000000000000000000" pitchFamily="2" charset="2"/>
+            </a:endParaRPr>
+          </a:p>
+          <a:p>
+            <a:r>
+              <a:rPr lang="en-US" dirty="0">
+                <a:sym typeface="Wingdings" panose="05000000000000000000" pitchFamily="2" charset="2"/>
+              </a:rPr>
+              <a:t>Promise  Task (</a:t>
+            </a:r>
+            <a:r>
+              <a:rPr lang="en-US" dirty="0" err="1">
+                <a:sym typeface="Wingdings" panose="05000000000000000000" pitchFamily="2" charset="2"/>
+              </a:rPr>
+              <a:t>async</a:t>
+            </a:r>
+            <a:r>
+              <a:rPr lang="en-US" dirty="0">
+                <a:sym typeface="Wingdings" panose="05000000000000000000" pitchFamily="2" charset="2"/>
+              </a:rPr>
+              <a:t> &amp; await)</a:t>
+            </a:r>
+          </a:p>
+          <a:p>
+            <a:r>
+              <a:rPr lang="en-US" dirty="0">
+                <a:sym typeface="Wingdings" panose="05000000000000000000" pitchFamily="2" charset="2"/>
+              </a:rPr>
+              <a:t>@Module  Manifest for a Logical Grouping / SPA</a:t>
+            </a:r>
+          </a:p>
+          <a:p>
+            <a:r>
+              <a:rPr lang="en-US" dirty="0">
+                <a:sym typeface="Wingdings" panose="05000000000000000000" pitchFamily="2" charset="2"/>
+              </a:rPr>
+              <a:t>@Component  Page or Part of a Page</a:t>
+            </a:r>
+          </a:p>
+          <a:p>
+            <a:r>
+              <a:rPr lang="en-US" dirty="0">
+                <a:sym typeface="Wingdings" panose="05000000000000000000" pitchFamily="2" charset="2"/>
+              </a:rPr>
+              <a:t>.then()  Callback</a:t>
+            </a:r>
+          </a:p>
+          <a:p>
+            <a:r>
+              <a:rPr lang="en-US" dirty="0">
+                <a:sym typeface="Wingdings" panose="05000000000000000000" pitchFamily="2" charset="2"/>
+              </a:rPr>
+              <a:t>Import  using in C#</a:t>
+            </a:r>
+          </a:p>
+          <a:p>
             <a:endParaRPr lang="en-US" dirty="0"/>
           </a:p>
         </p:txBody>
@@ -12574,7 +12610,7 @@
     </p:spTree>
     <p:extLst>
       <p:ext uri="{BB962C8B-B14F-4D97-AF65-F5344CB8AC3E}">
-        <p14:creationId xmlns:p14="http://schemas.microsoft.com/office/powerpoint/2010/main" val="4049796749"/>
+        <p14:creationId xmlns:p14="http://schemas.microsoft.com/office/powerpoint/2010/main" val="1081351253"/>
       </p:ext>
     </p:extLst>
   </p:cSld>
@@ -13203,7 +13239,7 @@
           <a:p>
             <a:r>
               <a:rPr lang="en-US" dirty="0"/>
-              <a:t>Angular Concepts &amp; Terms cont’d…</a:t>
+              <a:t>Angular Concepts &amp; Terms</a:t>
             </a:r>
           </a:p>
         </p:txBody>
@@ -13218,110 +13254,110 @@
             <p:ph idx="1"/>
           </p:nvPr>
         </p:nvSpPr>
-        <p:spPr/>
-        <p:txBody>
-          <a:bodyPr/>
+        <p:spPr>
+          <a:xfrm>
+            <a:off x="640080" y="1456266"/>
+            <a:ext cx="10952480" cy="4893733"/>
+          </a:xfrm>
+        </p:spPr>
+        <p:txBody>
+          <a:bodyPr>
+            <a:normAutofit/>
+          </a:bodyPr>
           <a:lstStyle/>
           <a:p>
             <a:r>
-              <a:rPr lang="en-US" dirty="0">
-                <a:sym typeface="Wingdings" panose="05000000000000000000" pitchFamily="2" charset="2"/>
-              </a:rPr>
-              <a:t>Selector</a:t>
-            </a:r>
-            <a:r>
-              <a:rPr lang="en-US" sz="2400" dirty="0">
-                <a:sym typeface="Wingdings" panose="05000000000000000000" pitchFamily="2" charset="2"/>
-              </a:rPr>
-              <a:t>  (find this html tag an insert the template there)</a:t>
-            </a:r>
-          </a:p>
-          <a:p>
-            <a:r>
-              <a:rPr lang="en-US" dirty="0">
-                <a:sym typeface="Wingdings" panose="05000000000000000000" pitchFamily="2" charset="2"/>
-              </a:rPr>
-              <a:t>Router Outlet  </a:t>
-            </a:r>
-            <a:r>
-              <a:rPr lang="en-US" sz="2400" dirty="0">
-                <a:sym typeface="Wingdings" panose="05000000000000000000" pitchFamily="2" charset="2"/>
-              </a:rPr>
-              <a:t>(client side routing: show routed pages in this html tag)</a:t>
-            </a:r>
-          </a:p>
-          <a:p>
-            <a:r>
-              <a:rPr lang="en-US" dirty="0">
-                <a:sym typeface="Wingdings" panose="05000000000000000000" pitchFamily="2" charset="2"/>
-              </a:rPr>
-              <a:t>Imports  </a:t>
-            </a:r>
-            <a:r>
-              <a:rPr lang="en-US" sz="2400" dirty="0">
-                <a:sym typeface="Wingdings" panose="05000000000000000000" pitchFamily="2" charset="2"/>
-              </a:rPr>
-              <a:t>(</a:t>
-            </a:r>
-            <a:r>
-              <a:rPr lang="en-US" sz="2400">
-                <a:sym typeface="Wingdings" panose="05000000000000000000" pitchFamily="2" charset="2"/>
-              </a:rPr>
-              <a:t>use other modules </a:t>
-            </a:r>
-            <a:r>
-              <a:rPr lang="en-US" sz="2400" dirty="0">
-                <a:sym typeface="Wingdings" panose="05000000000000000000" pitchFamily="2" charset="2"/>
-              </a:rPr>
-              <a:t>in this module)</a:t>
-            </a:r>
-            <a:endParaRPr lang="en-US" dirty="0">
-              <a:sym typeface="Wingdings" panose="05000000000000000000" pitchFamily="2" charset="2"/>
-            </a:endParaRPr>
-          </a:p>
-          <a:p>
-            <a:r>
-              <a:rPr lang="en-US" dirty="0">
-                <a:sym typeface="Wingdings" panose="05000000000000000000" pitchFamily="2" charset="2"/>
-              </a:rPr>
-              <a:t>Exports  </a:t>
-            </a:r>
-            <a:r>
-              <a:rPr lang="en-US" sz="2400" dirty="0">
-                <a:sym typeface="Wingdings" panose="05000000000000000000" pitchFamily="2" charset="2"/>
-              </a:rPr>
-              <a:t>(make available to other modules)</a:t>
-            </a:r>
-          </a:p>
-          <a:p>
-            <a:r>
-              <a:rPr lang="en-US" dirty="0">
-                <a:sym typeface="Wingdings" panose="05000000000000000000" pitchFamily="2" charset="2"/>
-              </a:rPr>
-              <a:t>Declarations</a:t>
-            </a:r>
-            <a:r>
-              <a:rPr lang="en-US" sz="2400" dirty="0">
-                <a:sym typeface="Wingdings" panose="05000000000000000000" pitchFamily="2" charset="2"/>
-              </a:rPr>
-              <a:t>  (declare components that are part of a module)</a:t>
-            </a:r>
-          </a:p>
-          <a:p>
-            <a:r>
-              <a:rPr lang="en-US" dirty="0">
-                <a:sym typeface="Wingdings" panose="05000000000000000000" pitchFamily="2" charset="2"/>
-              </a:rPr>
-              <a:t>Providers  </a:t>
-            </a:r>
-            <a:r>
-              <a:rPr lang="en-US" sz="2400" dirty="0">
-                <a:sym typeface="Wingdings" panose="05000000000000000000" pitchFamily="2" charset="2"/>
-              </a:rPr>
-              <a:t>(create instances for dependency injection)</a:t>
-            </a:r>
-          </a:p>
-          <a:p>
+              <a:rPr lang="en-US" dirty="0"/>
+              <a:t>Module </a:t>
+            </a:r>
+            <a:r>
+              <a:rPr lang="en-US" sz="2400" dirty="0"/>
+              <a:t>(manifest for logical grouping)</a:t>
+            </a:r>
+            <a:endParaRPr lang="en-US" dirty="0"/>
+          </a:p>
+          <a:p>
+            <a:r>
+              <a:rPr lang="en-US" dirty="0"/>
+              <a:t>Component </a:t>
+            </a:r>
+            <a:r>
+              <a:rPr lang="en-US" sz="2400" dirty="0"/>
+              <a:t>(page or part of a page)</a:t>
+            </a:r>
+            <a:endParaRPr lang="en-US" dirty="0"/>
+          </a:p>
+          <a:p>
+            <a:r>
+              <a:rPr lang="en-US" dirty="0"/>
+              <a:t>Template </a:t>
+            </a:r>
+            <a:r>
+              <a:rPr lang="en-US" sz="2400" dirty="0"/>
+              <a:t>(html)</a:t>
+            </a:r>
+          </a:p>
+          <a:p>
+            <a:r>
+              <a:rPr lang="en-US" dirty="0"/>
+              <a:t>Metadata </a:t>
+            </a:r>
+            <a:r>
+              <a:rPr lang="en-US" sz="2400" dirty="0"/>
+              <a:t>(attributes)</a:t>
+            </a:r>
+          </a:p>
+          <a:p>
+            <a:r>
+              <a:rPr lang="en-US" dirty="0"/>
+              <a:t>Data Binding</a:t>
+            </a:r>
+          </a:p>
+          <a:p>
+            <a:r>
+              <a:rPr lang="en-US" dirty="0"/>
+              <a:t>Directive </a:t>
+            </a:r>
+            <a:r>
+              <a:rPr lang="en-US" sz="2400" dirty="0"/>
+              <a:t>(component, structural e.g. </a:t>
+            </a:r>
+            <a:r>
+              <a:rPr lang="en-US" sz="2400" dirty="0" err="1"/>
+              <a:t>NgFor</a:t>
+            </a:r>
+            <a:r>
+              <a:rPr lang="en-US" sz="2400" dirty="0"/>
+              <a:t>, attribute e.g. [(</a:t>
+            </a:r>
+            <a:r>
+              <a:rPr lang="en-US" sz="2400" dirty="0" err="1"/>
+              <a:t>NgModel</a:t>
+            </a:r>
+            <a:r>
+              <a:rPr lang="en-US" sz="2400" dirty="0"/>
+              <a:t>)] )</a:t>
+            </a:r>
+          </a:p>
+          <a:p>
+            <a:r>
+              <a:rPr lang="en-US" dirty="0"/>
+              <a:t>Service </a:t>
+            </a:r>
+            <a:r>
+              <a:rPr lang="en-US" sz="2400" dirty="0"/>
+              <a:t>(class shared across many components)</a:t>
+            </a:r>
+          </a:p>
+          <a:p>
+            <a:r>
+              <a:rPr lang="en-US" dirty="0"/>
+              <a:t>Dependency Injection </a:t>
+            </a:r>
+            <a:r>
+              <a:rPr lang="en-US" sz="2400" dirty="0"/>
+              <a:t>(default way to spin up new instances)</a:t>
+            </a:r>
             <a:endParaRPr lang="en-US" dirty="0"/>
           </a:p>
         </p:txBody>
@@ -13329,7 +13365,7 @@
     </p:spTree>
     <p:extLst>
       <p:ext uri="{BB962C8B-B14F-4D97-AF65-F5344CB8AC3E}">
-        <p14:creationId xmlns:p14="http://schemas.microsoft.com/office/powerpoint/2010/main" val="3290302204"/>
+        <p14:creationId xmlns:p14="http://schemas.microsoft.com/office/powerpoint/2010/main" val="4049796749"/>
       </p:ext>
     </p:extLst>
   </p:cSld>
@@ -13385,7 +13421,7 @@
           <a:p>
             <a:r>
               <a:rPr lang="en-US" dirty="0"/>
-              <a:t>Imports (using in C#)</a:t>
+              <a:t>Angular Concepts &amp; Terms cont’d…</a:t>
             </a:r>
           </a:p>
         </p:txBody>
@@ -13406,66 +13442,101 @@
           <a:lstStyle/>
           <a:p>
             <a:r>
-              <a:rPr lang="en-US" dirty="0"/>
-              <a:t>FRAMEWORK:</a:t>
-            </a:r>
-          </a:p>
-          <a:p>
-            <a:pPr lvl="1"/>
-            <a:r>
-              <a:rPr lang="en-US" dirty="0"/>
-              <a:t>import { Http, Headers } from '@angular/http';</a:t>
-            </a:r>
-          </a:p>
-          <a:p>
-            <a:pPr marL="0" indent="0">
-              <a:buNone/>
-            </a:pPr>
-            <a:endParaRPr lang="en-US" dirty="0"/>
-          </a:p>
-          <a:p>
-            <a:r>
-              <a:rPr lang="en-US" dirty="0"/>
-              <a:t>CLASSES:</a:t>
-            </a:r>
-          </a:p>
-          <a:p>
-            <a:pPr lvl="1"/>
-            <a:r>
-              <a:rPr lang="en-US" dirty="0"/>
-              <a:t>import { Person } from '../classes/person';</a:t>
-            </a:r>
-          </a:p>
-          <a:p>
-            <a:endParaRPr lang="en-US" dirty="0"/>
-          </a:p>
-          <a:p>
-            <a:r>
-              <a:rPr lang="en-US" dirty="0"/>
-              <a:t>JAVASCRIPT:</a:t>
-            </a:r>
-          </a:p>
-          <a:p>
-            <a:pPr lvl="1"/>
-            <a:r>
-              <a:rPr lang="en-US" dirty="0"/>
-              <a:t>import '</a:t>
-            </a:r>
-            <a:r>
-              <a:rPr lang="en-US" dirty="0" err="1"/>
-              <a:t>rxjs</a:t>
-            </a:r>
-            <a:r>
-              <a:rPr lang="en-US" dirty="0"/>
-              <a:t>/add/operator/</a:t>
-            </a:r>
-            <a:r>
-              <a:rPr lang="en-US" dirty="0" err="1"/>
-              <a:t>toPromise</a:t>
-            </a:r>
-            <a:r>
-              <a:rPr lang="en-US" dirty="0"/>
-              <a:t>';</a:t>
+              <a:rPr lang="en-US" dirty="0">
+                <a:sym typeface="Wingdings" panose="05000000000000000000" pitchFamily="2" charset="2"/>
+              </a:rPr>
+              <a:t>Selector</a:t>
+            </a:r>
+            <a:r>
+              <a:rPr lang="en-US" sz="2400" dirty="0">
+                <a:sym typeface="Wingdings" panose="05000000000000000000" pitchFamily="2" charset="2"/>
+              </a:rPr>
+              <a:t>  (find this html tag an insert the template there)</a:t>
+            </a:r>
+          </a:p>
+          <a:p>
+            <a:r>
+              <a:rPr lang="en-US" dirty="0">
+                <a:sym typeface="Wingdings" panose="05000000000000000000" pitchFamily="2" charset="2"/>
+              </a:rPr>
+              <a:t>Router Outlet  </a:t>
+            </a:r>
+            <a:r>
+              <a:rPr lang="en-US" sz="2400" dirty="0">
+                <a:sym typeface="Wingdings" panose="05000000000000000000" pitchFamily="2" charset="2"/>
+              </a:rPr>
+              <a:t>(client side routing: show routed pages in this html tag)</a:t>
+            </a:r>
+          </a:p>
+          <a:p>
+            <a:r>
+              <a:rPr lang="en-US" dirty="0">
+                <a:sym typeface="Wingdings" panose="05000000000000000000" pitchFamily="2" charset="2"/>
+              </a:rPr>
+              <a:t>Imports  </a:t>
+            </a:r>
+            <a:r>
+              <a:rPr lang="en-US" sz="2400" dirty="0">
+                <a:sym typeface="Wingdings" panose="05000000000000000000" pitchFamily="2" charset="2"/>
+              </a:rPr>
+              <a:t>(</a:t>
+            </a:r>
+            <a:r>
+              <a:rPr lang="en-US" sz="2400">
+                <a:sym typeface="Wingdings" panose="05000000000000000000" pitchFamily="2" charset="2"/>
+              </a:rPr>
+              <a:t>use other modules </a:t>
+            </a:r>
+            <a:r>
+              <a:rPr lang="en-US" sz="2400" dirty="0">
+                <a:sym typeface="Wingdings" panose="05000000000000000000" pitchFamily="2" charset="2"/>
+              </a:rPr>
+              <a:t>in this module)</a:t>
+            </a:r>
+            <a:endParaRPr lang="en-US" dirty="0">
+              <a:sym typeface="Wingdings" panose="05000000000000000000" pitchFamily="2" charset="2"/>
+            </a:endParaRPr>
+          </a:p>
+          <a:p>
+            <a:r>
+              <a:rPr lang="en-US" dirty="0">
+                <a:sym typeface="Wingdings" panose="05000000000000000000" pitchFamily="2" charset="2"/>
+              </a:rPr>
+              <a:t>Exports  </a:t>
+            </a:r>
+            <a:r>
+              <a:rPr lang="en-US" sz="2400" dirty="0">
+                <a:sym typeface="Wingdings" panose="05000000000000000000" pitchFamily="2" charset="2"/>
+              </a:rPr>
+              <a:t>(make available to other modules)</a:t>
+            </a:r>
+          </a:p>
+          <a:p>
+            <a:r>
+              <a:rPr lang="en-US" dirty="0">
+                <a:sym typeface="Wingdings" panose="05000000000000000000" pitchFamily="2" charset="2"/>
+              </a:rPr>
+              <a:t>Declarations</a:t>
+            </a:r>
+            <a:r>
+              <a:rPr lang="en-US" sz="2400" dirty="0">
+                <a:sym typeface="Wingdings" panose="05000000000000000000" pitchFamily="2" charset="2"/>
+              </a:rPr>
+              <a:t>  (declare components that are part of a module)</a:t>
+            </a:r>
+          </a:p>
+          <a:p>
+            <a:r>
+              <a:rPr lang="en-US" dirty="0">
+                <a:sym typeface="Wingdings" panose="05000000000000000000" pitchFamily="2" charset="2"/>
+              </a:rPr>
+              <a:t>Providers  </a:t>
+            </a:r>
+            <a:r>
+              <a:rPr lang="en-US" sz="2400" dirty="0">
+                <a:sym typeface="Wingdings" panose="05000000000000000000" pitchFamily="2" charset="2"/>
+              </a:rPr>
+              <a:t>(create instances for dependency injection)</a:t>
             </a:r>
           </a:p>
           <a:p>
@@ -13476,7 +13547,7 @@
     </p:spTree>
     <p:extLst>
       <p:ext uri="{BB962C8B-B14F-4D97-AF65-F5344CB8AC3E}">
-        <p14:creationId xmlns:p14="http://schemas.microsoft.com/office/powerpoint/2010/main" val="2290761033"/>
+        <p14:creationId xmlns:p14="http://schemas.microsoft.com/office/powerpoint/2010/main" val="3290302204"/>
       </p:ext>
     </p:extLst>
   </p:cSld>
@@ -13532,6 +13603,153 @@
           <a:p>
             <a:r>
               <a:rPr lang="en-US" dirty="0"/>
+              <a:t>Imports (using in C#)</a:t>
+            </a:r>
+          </a:p>
+        </p:txBody>
+      </p:sp>
+      <p:sp>
+        <p:nvSpPr>
+          <p:cNvPr id="3" name="Content Placeholder 2"/>
+          <p:cNvSpPr>
+            <a:spLocks noGrp="1"/>
+          </p:cNvSpPr>
+          <p:nvPr>
+            <p:ph idx="1"/>
+          </p:nvPr>
+        </p:nvSpPr>
+        <p:spPr/>
+        <p:txBody>
+          <a:bodyPr/>
+          <a:lstStyle/>
+          <a:p>
+            <a:r>
+              <a:rPr lang="en-US" dirty="0"/>
+              <a:t>FRAMEWORK:</a:t>
+            </a:r>
+          </a:p>
+          <a:p>
+            <a:pPr lvl="1"/>
+            <a:r>
+              <a:rPr lang="en-US" dirty="0"/>
+              <a:t>import { Http, Headers } from '@angular/http';</a:t>
+            </a:r>
+          </a:p>
+          <a:p>
+            <a:pPr marL="0" indent="0">
+              <a:buNone/>
+            </a:pPr>
+            <a:endParaRPr lang="en-US" dirty="0"/>
+          </a:p>
+          <a:p>
+            <a:r>
+              <a:rPr lang="en-US" dirty="0"/>
+              <a:t>CLASSES:</a:t>
+            </a:r>
+          </a:p>
+          <a:p>
+            <a:pPr lvl="1"/>
+            <a:r>
+              <a:rPr lang="en-US" dirty="0"/>
+              <a:t>import { Person } from '../classes/person';</a:t>
+            </a:r>
+          </a:p>
+          <a:p>
+            <a:endParaRPr lang="en-US" dirty="0"/>
+          </a:p>
+          <a:p>
+            <a:r>
+              <a:rPr lang="en-US" dirty="0"/>
+              <a:t>JAVASCRIPT:</a:t>
+            </a:r>
+          </a:p>
+          <a:p>
+            <a:pPr lvl="1"/>
+            <a:r>
+              <a:rPr lang="en-US" dirty="0"/>
+              <a:t>import '</a:t>
+            </a:r>
+            <a:r>
+              <a:rPr lang="en-US" dirty="0" err="1"/>
+              <a:t>rxjs</a:t>
+            </a:r>
+            <a:r>
+              <a:rPr lang="en-US" dirty="0"/>
+              <a:t>/add/operator/</a:t>
+            </a:r>
+            <a:r>
+              <a:rPr lang="en-US" dirty="0" err="1"/>
+              <a:t>toPromise</a:t>
+            </a:r>
+            <a:r>
+              <a:rPr lang="en-US" dirty="0"/>
+              <a:t>';</a:t>
+            </a:r>
+          </a:p>
+          <a:p>
+            <a:endParaRPr lang="en-US" dirty="0"/>
+          </a:p>
+        </p:txBody>
+      </p:sp>
+    </p:spTree>
+    <p:extLst>
+      <p:ext uri="{BB962C8B-B14F-4D97-AF65-F5344CB8AC3E}">
+        <p14:creationId xmlns:p14="http://schemas.microsoft.com/office/powerpoint/2010/main" val="2290761033"/>
+      </p:ext>
+    </p:extLst>
+  </p:cSld>
+  <p:clrMapOvr>
+    <a:masterClrMapping/>
+  </p:clrMapOvr>
+  <mc:AlternateContent xmlns:mc="http://schemas.openxmlformats.org/markup-compatibility/2006" xmlns:p14="http://schemas.microsoft.com/office/powerpoint/2010/main">
+    <mc:Choice Requires="p14">
+      <p:transition spd="med" p14:dur="600">
+        <p:cover/>
+      </p:transition>
+    </mc:Choice>
+    <mc:Fallback xmlns="">
+      <p:transition spd="med">
+        <p:cover/>
+      </p:transition>
+    </mc:Fallback>
+  </mc:AlternateContent>
+</p:sld>
+</file>
+
+<file path=ppt/slides/slide33.xml><?xml version="1.0" encoding="utf-8"?>
+<p:sld xmlns:a="http://schemas.openxmlformats.org/drawingml/2006/main" xmlns:r="http://schemas.openxmlformats.org/officeDocument/2006/relationships" xmlns:p="http://schemas.openxmlformats.org/presentationml/2006/main">
+  <p:cSld>
+    <p:spTree>
+      <p:nvGrpSpPr>
+        <p:cNvPr id="1" name=""/>
+        <p:cNvGrpSpPr/>
+        <p:nvPr/>
+      </p:nvGrpSpPr>
+      <p:grpSpPr>
+        <a:xfrm>
+          <a:off x="0" y="0"/>
+          <a:ext cx="0" cy="0"/>
+          <a:chOff x="0" y="0"/>
+          <a:chExt cx="0" cy="0"/>
+        </a:xfrm>
+      </p:grpSpPr>
+      <p:sp>
+        <p:nvSpPr>
+          <p:cNvPr id="2" name="Title 1"/>
+          <p:cNvSpPr>
+            <a:spLocks noGrp="1"/>
+          </p:cNvSpPr>
+          <p:nvPr>
+            <p:ph type="title"/>
+          </p:nvPr>
+        </p:nvSpPr>
+        <p:spPr/>
+        <p:txBody>
+          <a:bodyPr/>
+          <a:lstStyle/>
+          <a:p>
+            <a:r>
+              <a:rPr lang="en-US" dirty="0"/>
               <a:t>Data Binding</a:t>
             </a:r>
           </a:p>
@@ -13656,7 +13874,7 @@
 </p:sld>
 </file>
 
-<file path=ppt/slides/slide33.xml><?xml version="1.0" encoding="utf-8"?>
+<file path=ppt/slides/slide34.xml><?xml version="1.0" encoding="utf-8"?>
 <p:sld xmlns:a="http://schemas.openxmlformats.org/drawingml/2006/main" xmlns:r="http://schemas.openxmlformats.org/officeDocument/2006/relationships" xmlns:p="http://schemas.openxmlformats.org/presentationml/2006/main">
   <p:cSld>
     <p:spTree>
